--- a/PPT/DudasBESITOS_1.pptx
+++ b/PPT/DudasBESITOS_1.pptx
@@ -4,13 +4,18 @@
   <p:sldMasterIdLst>
     <p:sldMasterId id="2147483648" r:id="rId1"/>
   </p:sldMasterIdLst>
+  <p:notesMasterIdLst>
+    <p:notesMasterId r:id="rId10"/>
+  </p:notesMasterIdLst>
   <p:sldIdLst>
     <p:sldId id="260" r:id="rId2"/>
     <p:sldId id="447" r:id="rId3"/>
-    <p:sldId id="449" r:id="rId4"/>
-    <p:sldId id="448" r:id="rId5"/>
-    <p:sldId id="256" r:id="rId6"/>
-    <p:sldId id="450" r:id="rId7"/>
+    <p:sldId id="448" r:id="rId4"/>
+    <p:sldId id="256" r:id="rId5"/>
+    <p:sldId id="451" r:id="rId6"/>
+    <p:sldId id="453" r:id="rId7"/>
+    <p:sldId id="449" r:id="rId8"/>
+    <p:sldId id="455" r:id="rId9"/>
   </p:sldIdLst>
   <p:sldSz cx="12192000" cy="6858000"/>
   <p:notesSz cx="6858000" cy="9144000"/>
@@ -109,7 +114,445 @@
       </a:defRPr>
     </a:lvl9pPr>
   </p:defaultTextStyle>
+  <p:extLst>
+    <p:ext uri="{EFAFB233-063F-42B5-8137-9DF3F51BA10A}">
+      <p15:sldGuideLst xmlns:p15="http://schemas.microsoft.com/office/powerpoint/2012/main"/>
+    </p:ext>
+  </p:extLst>
 </p:presentation>
+</file>
+
+<file path=ppt/notesMasters/notesMaster1.xml><?xml version="1.0" encoding="utf-8"?>
+<p:notesMaster xmlns:a="http://schemas.openxmlformats.org/drawingml/2006/main" xmlns:r="http://schemas.openxmlformats.org/officeDocument/2006/relationships" xmlns:p="http://schemas.openxmlformats.org/presentationml/2006/main">
+  <p:cSld>
+    <p:bg>
+      <p:bgRef idx="1001">
+        <a:schemeClr val="bg1"/>
+      </p:bgRef>
+    </p:bg>
+    <p:spTree>
+      <p:nvGrpSpPr>
+        <p:cNvPr id="1" name=""/>
+        <p:cNvGrpSpPr/>
+        <p:nvPr/>
+      </p:nvGrpSpPr>
+      <p:grpSpPr>
+        <a:xfrm>
+          <a:off x="0" y="0"/>
+          <a:ext cx="0" cy="0"/>
+          <a:chOff x="0" y="0"/>
+          <a:chExt cx="0" cy="0"/>
+        </a:xfrm>
+      </p:grpSpPr>
+      <p:sp>
+        <p:nvSpPr>
+          <p:cNvPr id="2" name="Marcador de encabezado 1"/>
+          <p:cNvSpPr>
+            <a:spLocks noGrp="1"/>
+          </p:cNvSpPr>
+          <p:nvPr>
+            <p:ph type="hdr" sz="quarter"/>
+          </p:nvPr>
+        </p:nvSpPr>
+        <p:spPr>
+          <a:xfrm>
+            <a:off x="0" y="0"/>
+            <a:ext cx="2971800" cy="458788"/>
+          </a:xfrm>
+          <a:prstGeom prst="rect">
+            <a:avLst/>
+          </a:prstGeom>
+        </p:spPr>
+        <p:txBody>
+          <a:bodyPr vert="horz" lIns="91440" tIns="45720" rIns="91440" bIns="45720" rtlCol="0"/>
+          <a:lstStyle>
+            <a:lvl1pPr algn="l">
+              <a:defRPr sz="1200"/>
+            </a:lvl1pPr>
+          </a:lstStyle>
+          <a:p>
+            <a:endParaRPr lang="es-ES"/>
+          </a:p>
+        </p:txBody>
+      </p:sp>
+      <p:sp>
+        <p:nvSpPr>
+          <p:cNvPr id="3" name="Marcador de fecha 2"/>
+          <p:cNvSpPr>
+            <a:spLocks noGrp="1"/>
+          </p:cNvSpPr>
+          <p:nvPr>
+            <p:ph type="dt" idx="1"/>
+          </p:nvPr>
+        </p:nvSpPr>
+        <p:spPr>
+          <a:xfrm>
+            <a:off x="3884613" y="0"/>
+            <a:ext cx="2971800" cy="458788"/>
+          </a:xfrm>
+          <a:prstGeom prst="rect">
+            <a:avLst/>
+          </a:prstGeom>
+        </p:spPr>
+        <p:txBody>
+          <a:bodyPr vert="horz" lIns="91440" tIns="45720" rIns="91440" bIns="45720" rtlCol="0"/>
+          <a:lstStyle>
+            <a:lvl1pPr algn="r">
+              <a:defRPr sz="1200"/>
+            </a:lvl1pPr>
+          </a:lstStyle>
+          <a:p>
+            <a:fld id="{B4244183-33F7-4163-B5EE-B076879393E5}" type="datetimeFigureOut">
+              <a:rPr lang="es-ES" smtClean="0"/>
+              <a:t>7/5/24</a:t>
+            </a:fld>
+            <a:endParaRPr lang="es-ES"/>
+          </a:p>
+        </p:txBody>
+      </p:sp>
+      <p:sp>
+        <p:nvSpPr>
+          <p:cNvPr id="4" name="Marcador de imagen de diapositiva 3"/>
+          <p:cNvSpPr>
+            <a:spLocks noGrp="1" noRot="1" noChangeAspect="1"/>
+          </p:cNvSpPr>
+          <p:nvPr>
+            <p:ph type="sldImg" idx="2"/>
+          </p:nvPr>
+        </p:nvSpPr>
+        <p:spPr>
+          <a:xfrm>
+            <a:off x="685800" y="1143000"/>
+            <a:ext cx="5486400" cy="3086100"/>
+          </a:xfrm>
+          <a:prstGeom prst="rect">
+            <a:avLst/>
+          </a:prstGeom>
+          <a:noFill/>
+          <a:ln w="12700">
+            <a:solidFill>
+              <a:prstClr val="black"/>
+            </a:solidFill>
+          </a:ln>
+        </p:spPr>
+        <p:txBody>
+          <a:bodyPr vert="horz" lIns="91440" tIns="45720" rIns="91440" bIns="45720" rtlCol="0" anchor="ctr"/>
+          <a:lstStyle/>
+          <a:p>
+            <a:endParaRPr lang="es-ES"/>
+          </a:p>
+        </p:txBody>
+      </p:sp>
+      <p:sp>
+        <p:nvSpPr>
+          <p:cNvPr id="5" name="Marcador de notas 4"/>
+          <p:cNvSpPr>
+            <a:spLocks noGrp="1"/>
+          </p:cNvSpPr>
+          <p:nvPr>
+            <p:ph type="body" sz="quarter" idx="3"/>
+          </p:nvPr>
+        </p:nvSpPr>
+        <p:spPr>
+          <a:xfrm>
+            <a:off x="685800" y="4400550"/>
+            <a:ext cx="5486400" cy="3600450"/>
+          </a:xfrm>
+          <a:prstGeom prst="rect">
+            <a:avLst/>
+          </a:prstGeom>
+        </p:spPr>
+        <p:txBody>
+          <a:bodyPr vert="horz" lIns="91440" tIns="45720" rIns="91440" bIns="45720" rtlCol="0"/>
+          <a:lstStyle/>
+          <a:p>
+            <a:pPr lvl="0"/>
+            <a:r>
+              <a:rPr lang="es-ES"/>
+              <a:t>Editar los estilos de texto del patrón</a:t>
+            </a:r>
+          </a:p>
+          <a:p>
+            <a:pPr lvl="1"/>
+            <a:r>
+              <a:rPr lang="es-ES"/>
+              <a:t>Segundo nivel</a:t>
+            </a:r>
+          </a:p>
+          <a:p>
+            <a:pPr lvl="2"/>
+            <a:r>
+              <a:rPr lang="es-ES"/>
+              <a:t>Tercer nivel</a:t>
+            </a:r>
+          </a:p>
+          <a:p>
+            <a:pPr lvl="3"/>
+            <a:r>
+              <a:rPr lang="es-ES"/>
+              <a:t>Cuarto nivel</a:t>
+            </a:r>
+          </a:p>
+          <a:p>
+            <a:pPr lvl="4"/>
+            <a:r>
+              <a:rPr lang="es-ES"/>
+              <a:t>Quinto nivel</a:t>
+            </a:r>
+          </a:p>
+        </p:txBody>
+      </p:sp>
+      <p:sp>
+        <p:nvSpPr>
+          <p:cNvPr id="6" name="Marcador de pie de página 5"/>
+          <p:cNvSpPr>
+            <a:spLocks noGrp="1"/>
+          </p:cNvSpPr>
+          <p:nvPr>
+            <p:ph type="ftr" sz="quarter" idx="4"/>
+          </p:nvPr>
+        </p:nvSpPr>
+        <p:spPr>
+          <a:xfrm>
+            <a:off x="0" y="8685213"/>
+            <a:ext cx="2971800" cy="458787"/>
+          </a:xfrm>
+          <a:prstGeom prst="rect">
+            <a:avLst/>
+          </a:prstGeom>
+        </p:spPr>
+        <p:txBody>
+          <a:bodyPr vert="horz" lIns="91440" tIns="45720" rIns="91440" bIns="45720" rtlCol="0" anchor="b"/>
+          <a:lstStyle>
+            <a:lvl1pPr algn="l">
+              <a:defRPr sz="1200"/>
+            </a:lvl1pPr>
+          </a:lstStyle>
+          <a:p>
+            <a:endParaRPr lang="es-ES"/>
+          </a:p>
+        </p:txBody>
+      </p:sp>
+      <p:sp>
+        <p:nvSpPr>
+          <p:cNvPr id="7" name="Marcador de número de diapositiva 6"/>
+          <p:cNvSpPr>
+            <a:spLocks noGrp="1"/>
+          </p:cNvSpPr>
+          <p:nvPr>
+            <p:ph type="sldNum" sz="quarter" idx="5"/>
+          </p:nvPr>
+        </p:nvSpPr>
+        <p:spPr>
+          <a:xfrm>
+            <a:off x="3884613" y="8685213"/>
+            <a:ext cx="2971800" cy="458787"/>
+          </a:xfrm>
+          <a:prstGeom prst="rect">
+            <a:avLst/>
+          </a:prstGeom>
+        </p:spPr>
+        <p:txBody>
+          <a:bodyPr vert="horz" lIns="91440" tIns="45720" rIns="91440" bIns="45720" rtlCol="0" anchor="b"/>
+          <a:lstStyle>
+            <a:lvl1pPr algn="r">
+              <a:defRPr sz="1200"/>
+            </a:lvl1pPr>
+          </a:lstStyle>
+          <a:p>
+            <a:fld id="{42B8BBCB-4E26-4700-BB49-57E46A4E5C7F}" type="slidenum">
+              <a:rPr lang="es-ES" smtClean="0"/>
+              <a:t>‹#›</a:t>
+            </a:fld>
+            <a:endParaRPr lang="es-ES"/>
+          </a:p>
+        </p:txBody>
+      </p:sp>
+    </p:spTree>
+    <p:extLst>
+      <p:ext uri="{BB962C8B-B14F-4D97-AF65-F5344CB8AC3E}">
+        <p14:creationId xmlns:p14="http://schemas.microsoft.com/office/powerpoint/2010/main" val="330618312"/>
+      </p:ext>
+    </p:extLst>
+  </p:cSld>
+  <p:clrMap bg1="lt1" tx1="dk1" bg2="lt2" tx2="dk2" accent1="accent1" accent2="accent2" accent3="accent3" accent4="accent4" accent5="accent5" accent6="accent6" hlink="hlink" folHlink="folHlink"/>
+  <p:notesStyle>
+    <a:lvl1pPr marL="0" algn="l" defTabSz="914400" rtl="0" eaLnBrk="1" latinLnBrk="0" hangingPunct="1">
+      <a:defRPr sz="1200" kern="1200">
+        <a:solidFill>
+          <a:schemeClr val="tx1"/>
+        </a:solidFill>
+        <a:latin typeface="+mn-lt"/>
+        <a:ea typeface="+mn-ea"/>
+        <a:cs typeface="+mn-cs"/>
+      </a:defRPr>
+    </a:lvl1pPr>
+    <a:lvl2pPr marL="457200" algn="l" defTabSz="914400" rtl="0" eaLnBrk="1" latinLnBrk="0" hangingPunct="1">
+      <a:defRPr sz="1200" kern="1200">
+        <a:solidFill>
+          <a:schemeClr val="tx1"/>
+        </a:solidFill>
+        <a:latin typeface="+mn-lt"/>
+        <a:ea typeface="+mn-ea"/>
+        <a:cs typeface="+mn-cs"/>
+      </a:defRPr>
+    </a:lvl2pPr>
+    <a:lvl3pPr marL="914400" algn="l" defTabSz="914400" rtl="0" eaLnBrk="1" latinLnBrk="0" hangingPunct="1">
+      <a:defRPr sz="1200" kern="1200">
+        <a:solidFill>
+          <a:schemeClr val="tx1"/>
+        </a:solidFill>
+        <a:latin typeface="+mn-lt"/>
+        <a:ea typeface="+mn-ea"/>
+        <a:cs typeface="+mn-cs"/>
+      </a:defRPr>
+    </a:lvl3pPr>
+    <a:lvl4pPr marL="1371600" algn="l" defTabSz="914400" rtl="0" eaLnBrk="1" latinLnBrk="0" hangingPunct="1">
+      <a:defRPr sz="1200" kern="1200">
+        <a:solidFill>
+          <a:schemeClr val="tx1"/>
+        </a:solidFill>
+        <a:latin typeface="+mn-lt"/>
+        <a:ea typeface="+mn-ea"/>
+        <a:cs typeface="+mn-cs"/>
+      </a:defRPr>
+    </a:lvl4pPr>
+    <a:lvl5pPr marL="1828800" algn="l" defTabSz="914400" rtl="0" eaLnBrk="1" latinLnBrk="0" hangingPunct="1">
+      <a:defRPr sz="1200" kern="1200">
+        <a:solidFill>
+          <a:schemeClr val="tx1"/>
+        </a:solidFill>
+        <a:latin typeface="+mn-lt"/>
+        <a:ea typeface="+mn-ea"/>
+        <a:cs typeface="+mn-cs"/>
+      </a:defRPr>
+    </a:lvl5pPr>
+    <a:lvl6pPr marL="2286000" algn="l" defTabSz="914400" rtl="0" eaLnBrk="1" latinLnBrk="0" hangingPunct="1">
+      <a:defRPr sz="1200" kern="1200">
+        <a:solidFill>
+          <a:schemeClr val="tx1"/>
+        </a:solidFill>
+        <a:latin typeface="+mn-lt"/>
+        <a:ea typeface="+mn-ea"/>
+        <a:cs typeface="+mn-cs"/>
+      </a:defRPr>
+    </a:lvl6pPr>
+    <a:lvl7pPr marL="2743200" algn="l" defTabSz="914400" rtl="0" eaLnBrk="1" latinLnBrk="0" hangingPunct="1">
+      <a:defRPr sz="1200" kern="1200">
+        <a:solidFill>
+          <a:schemeClr val="tx1"/>
+        </a:solidFill>
+        <a:latin typeface="+mn-lt"/>
+        <a:ea typeface="+mn-ea"/>
+        <a:cs typeface="+mn-cs"/>
+      </a:defRPr>
+    </a:lvl7pPr>
+    <a:lvl8pPr marL="3200400" algn="l" defTabSz="914400" rtl="0" eaLnBrk="1" latinLnBrk="0" hangingPunct="1">
+      <a:defRPr sz="1200" kern="1200">
+        <a:solidFill>
+          <a:schemeClr val="tx1"/>
+        </a:solidFill>
+        <a:latin typeface="+mn-lt"/>
+        <a:ea typeface="+mn-ea"/>
+        <a:cs typeface="+mn-cs"/>
+      </a:defRPr>
+    </a:lvl8pPr>
+    <a:lvl9pPr marL="3657600" algn="l" defTabSz="914400" rtl="0" eaLnBrk="1" latinLnBrk="0" hangingPunct="1">
+      <a:defRPr sz="1200" kern="1200">
+        <a:solidFill>
+          <a:schemeClr val="tx1"/>
+        </a:solidFill>
+        <a:latin typeface="+mn-lt"/>
+        <a:ea typeface="+mn-ea"/>
+        <a:cs typeface="+mn-cs"/>
+      </a:defRPr>
+    </a:lvl9pPr>
+  </p:notesStyle>
+</p:notesMaster>
+</file>
+
+<file path=ppt/notesSlides/notesSlide1.xml><?xml version="1.0" encoding="utf-8"?>
+<p:notes xmlns:a="http://schemas.openxmlformats.org/drawingml/2006/main" xmlns:r="http://schemas.openxmlformats.org/officeDocument/2006/relationships" xmlns:p="http://schemas.openxmlformats.org/presentationml/2006/main">
+  <p:cSld>
+    <p:spTree>
+      <p:nvGrpSpPr>
+        <p:cNvPr id="1" name=""/>
+        <p:cNvGrpSpPr/>
+        <p:nvPr/>
+      </p:nvGrpSpPr>
+      <p:grpSpPr>
+        <a:xfrm>
+          <a:off x="0" y="0"/>
+          <a:ext cx="0" cy="0"/>
+          <a:chOff x="0" y="0"/>
+          <a:chExt cx="0" cy="0"/>
+        </a:xfrm>
+      </p:grpSpPr>
+      <p:sp>
+        <p:nvSpPr>
+          <p:cNvPr id="2" name="Marcador de imagen de diapositiva 1"/>
+          <p:cNvSpPr>
+            <a:spLocks noGrp="1" noRot="1" noChangeAspect="1"/>
+          </p:cNvSpPr>
+          <p:nvPr>
+            <p:ph type="sldImg"/>
+          </p:nvPr>
+        </p:nvSpPr>
+        <p:spPr/>
+      </p:sp>
+      <p:sp>
+        <p:nvSpPr>
+          <p:cNvPr id="3" name="Marcador de notas 2"/>
+          <p:cNvSpPr>
+            <a:spLocks noGrp="1"/>
+          </p:cNvSpPr>
+          <p:nvPr>
+            <p:ph type="body" idx="1"/>
+          </p:nvPr>
+        </p:nvSpPr>
+        <p:spPr/>
+        <p:txBody>
+          <a:bodyPr/>
+          <a:lstStyle/>
+          <a:p>
+            <a:endParaRPr lang="es-ES" dirty="0"/>
+          </a:p>
+        </p:txBody>
+      </p:sp>
+      <p:sp>
+        <p:nvSpPr>
+          <p:cNvPr id="4" name="Marcador de número de diapositiva 3"/>
+          <p:cNvSpPr>
+            <a:spLocks noGrp="1"/>
+          </p:cNvSpPr>
+          <p:nvPr>
+            <p:ph type="sldNum" sz="quarter" idx="5"/>
+          </p:nvPr>
+        </p:nvSpPr>
+        <p:spPr/>
+        <p:txBody>
+          <a:bodyPr/>
+          <a:lstStyle/>
+          <a:p>
+            <a:fld id="{42B8BBCB-4E26-4700-BB49-57E46A4E5C7F}" type="slidenum">
+              <a:rPr lang="es-ES" smtClean="0"/>
+              <a:t>5</a:t>
+            </a:fld>
+            <a:endParaRPr lang="es-ES"/>
+          </a:p>
+        </p:txBody>
+      </p:sp>
+    </p:spTree>
+    <p:extLst>
+      <p:ext uri="{BB962C8B-B14F-4D97-AF65-F5344CB8AC3E}">
+        <p14:creationId xmlns:p14="http://schemas.microsoft.com/office/powerpoint/2010/main" val="1893298375"/>
+      </p:ext>
+    </p:extLst>
+  </p:cSld>
+  <p:clrMapOvr>
+    <a:masterClrMapping/>
+  </p:clrMapOvr>
+</p:notes>
 </file>
 
 <file path=ppt/slideLayouts/slideLayout1.xml><?xml version="1.0" encoding="utf-8"?>
@@ -3713,7 +4156,7 @@
         <p:spPr>
           <a:xfrm>
             <a:off x="1197429" y="1415143"/>
-            <a:ext cx="3446649" cy="2677656"/>
+            <a:ext cx="3446649" cy="3416320"/>
           </a:xfrm>
           <a:prstGeom prst="rect">
             <a:avLst/>
@@ -3748,6 +4191,54 @@
               </a:rPr>
               <a:t>1- Proporción de especies</a:t>
             </a:r>
+            <a:endParaRPr lang="es-ES" sz="2400" b="1" dirty="0">
+              <a:latin typeface="Calibri" panose="020F0502020204030204" pitchFamily="34" charset="0"/>
+              <a:cs typeface="Calibri" panose="020F0502020204030204" pitchFamily="34" charset="0"/>
+            </a:endParaRPr>
+          </a:p>
+          <a:p>
+            <a:endParaRPr lang="es-ES" sz="2400" b="1" dirty="0">
+              <a:latin typeface="Calibri" panose="020F0502020204030204" pitchFamily="34" charset="0"/>
+              <a:cs typeface="Calibri" panose="020F0502020204030204" pitchFamily="34" charset="0"/>
+            </a:endParaRPr>
+          </a:p>
+          <a:p>
+            <a:r>
+              <a:rPr lang="es-ES" sz="2400" b="1" dirty="0">
+                <a:latin typeface="Calibri" panose="020F0502020204030204" pitchFamily="34" charset="0"/>
+                <a:cs typeface="Calibri" panose="020F0502020204030204" pitchFamily="34" charset="0"/>
+              </a:rPr>
+              <a:t>2</a:t>
+            </a:r>
+            <a:r>
+              <a:rPr lang="en-CL" sz="2400" b="1" dirty="0">
+                <a:latin typeface="Calibri" panose="020F0502020204030204" pitchFamily="34" charset="0"/>
+                <a:cs typeface="Calibri" panose="020F0502020204030204" pitchFamily="34" charset="0"/>
+              </a:rPr>
+              <a:t>- Otro Indice (N-90 i.e.)</a:t>
+            </a:r>
+          </a:p>
+          <a:p>
+            <a:endParaRPr lang="es-ES" sz="2400" b="1" dirty="0">
+              <a:latin typeface="Calibri" panose="020F0502020204030204" pitchFamily="34" charset="0"/>
+              <a:cs typeface="Calibri" panose="020F0502020204030204" pitchFamily="34" charset="0"/>
+            </a:endParaRPr>
+          </a:p>
+          <a:p>
+            <a:r>
+              <a:rPr lang="es-ES" sz="2400" b="1" dirty="0">
+                <a:latin typeface="Calibri" panose="020F0502020204030204" pitchFamily="34" charset="0"/>
+                <a:cs typeface="Calibri" panose="020F0502020204030204" pitchFamily="34" charset="0"/>
+              </a:rPr>
+              <a:t>3</a:t>
+            </a:r>
+            <a:r>
+              <a:rPr lang="en-CL" sz="2400" b="1" dirty="0">
+                <a:latin typeface="Calibri" panose="020F0502020204030204" pitchFamily="34" charset="0"/>
+                <a:cs typeface="Calibri" panose="020F0502020204030204" pitchFamily="34" charset="0"/>
+              </a:rPr>
+              <a:t>- Hábitats para trabajar</a:t>
+            </a:r>
           </a:p>
           <a:p>
             <a:endParaRPr lang="en-CL" sz="2400" b="1" dirty="0">
@@ -3756,28 +4247,10 @@
             </a:endParaRPr>
           </a:p>
           <a:p>
-            <a:r>
-              <a:rPr lang="en-CL" sz="2400" b="1" dirty="0">
-                <a:latin typeface="Calibri" panose="020F0502020204030204" pitchFamily="34" charset="0"/>
-                <a:cs typeface="Calibri" panose="020F0502020204030204" pitchFamily="34" charset="0"/>
-              </a:rPr>
-              <a:t>2- Hábitats para trabajar</a:t>
-            </a:r>
-          </a:p>
-          <a:p>
             <a:endParaRPr lang="en-CL" sz="2400" b="1" dirty="0">
               <a:latin typeface="Calibri" panose="020F0502020204030204" pitchFamily="34" charset="0"/>
               <a:cs typeface="Calibri" panose="020F0502020204030204" pitchFamily="34" charset="0"/>
             </a:endParaRPr>
-          </a:p>
-          <a:p>
-            <a:r>
-              <a:rPr lang="en-CL" sz="2400" b="1" dirty="0">
-                <a:latin typeface="Calibri" panose="020F0502020204030204" pitchFamily="34" charset="0"/>
-                <a:cs typeface="Calibri" panose="020F0502020204030204" pitchFamily="34" charset="0"/>
-              </a:rPr>
-              <a:t>3- Otro Indice (N-90 i.e.)</a:t>
-            </a:r>
           </a:p>
         </p:txBody>
       </p:sp>
@@ -3853,175 +4326,6 @@
           </a:prstGeom>
         </p:spPr>
       </p:pic>
-      <p:pic>
-        <p:nvPicPr>
-          <p:cNvPr id="9" name="Picture 8">
-            <a:extLst>
-              <a:ext uri="{FF2B5EF4-FFF2-40B4-BE49-F238E27FC236}">
-                <a16:creationId xmlns:a16="http://schemas.microsoft.com/office/drawing/2014/main" id="{B195A39D-C819-134B-3FF9-C5348ADA9588}"/>
-              </a:ext>
-            </a:extLst>
-          </p:cNvPr>
-          <p:cNvPicPr>
-            <a:picLocks noChangeAspect="1"/>
-          </p:cNvPicPr>
-          <p:nvPr/>
-        </p:nvPicPr>
-        <p:blipFill rotWithShape="1">
-          <a:blip r:embed="rId4"/>
-          <a:srcRect r="47236"/>
-          <a:stretch/>
-        </p:blipFill>
-        <p:spPr>
-          <a:xfrm>
-            <a:off x="222160" y="445562"/>
-            <a:ext cx="3860443" cy="6097017"/>
-          </a:xfrm>
-          <a:prstGeom prst="rect">
-            <a:avLst/>
-          </a:prstGeom>
-        </p:spPr>
-      </p:pic>
-      <p:pic>
-        <p:nvPicPr>
-          <p:cNvPr id="12" name="Picture 11" descr="A white background with black text&#10;&#10;Description automatically generated">
-            <a:extLst>
-              <a:ext uri="{FF2B5EF4-FFF2-40B4-BE49-F238E27FC236}">
-                <a16:creationId xmlns:a16="http://schemas.microsoft.com/office/drawing/2014/main" id="{31DC4693-BBD7-F19D-FF45-E8C0DC1D9755}"/>
-              </a:ext>
-            </a:extLst>
-          </p:cNvPr>
-          <p:cNvPicPr>
-            <a:picLocks noChangeAspect="1"/>
-          </p:cNvPicPr>
-          <p:nvPr/>
-        </p:nvPicPr>
-        <p:blipFill>
-          <a:blip r:embed="rId5"/>
-          <a:stretch>
-            <a:fillRect/>
-          </a:stretch>
-        </p:blipFill>
-        <p:spPr>
-          <a:xfrm>
-            <a:off x="3607179" y="1854557"/>
-            <a:ext cx="8362661" cy="3708843"/>
-          </a:xfrm>
-          <a:prstGeom prst="rect">
-            <a:avLst/>
-          </a:prstGeom>
-        </p:spPr>
-      </p:pic>
-      <p:sp>
-        <p:nvSpPr>
-          <p:cNvPr id="13" name="TextBox 12">
-            <a:extLst>
-              <a:ext uri="{FF2B5EF4-FFF2-40B4-BE49-F238E27FC236}">
-                <a16:creationId xmlns:a16="http://schemas.microsoft.com/office/drawing/2014/main" id="{BBFFD7F2-7295-6D00-0237-5221D6DDD1A1}"/>
-              </a:ext>
-            </a:extLst>
-          </p:cNvPr>
-          <p:cNvSpPr txBox="1"/>
-          <p:nvPr/>
-        </p:nvSpPr>
-        <p:spPr>
-          <a:xfrm>
-            <a:off x="4767943" y="780728"/>
-            <a:ext cx="3723905" cy="369332"/>
-          </a:xfrm>
-          <a:prstGeom prst="rect">
-            <a:avLst/>
-          </a:prstGeom>
-          <a:noFill/>
-        </p:spPr>
-        <p:txBody>
-          <a:bodyPr wrap="none" rtlCol="0">
-            <a:spAutoFit/>
-          </a:bodyPr>
-          <a:lstStyle/>
-          <a:p>
-            <a:r>
-              <a:rPr lang="en-CL" dirty="0">
-                <a:latin typeface="Calibri" panose="020F0502020204030204" pitchFamily="34" charset="0"/>
-                <a:cs typeface="Calibri" panose="020F0502020204030204" pitchFamily="34" charset="0"/>
-              </a:rPr>
-              <a:t>Campaña ACUVEN3D  2019- INBENTO</a:t>
-            </a:r>
-          </a:p>
-        </p:txBody>
-      </p:sp>
-    </p:spTree>
-    <p:extLst>
-      <p:ext uri="{BB962C8B-B14F-4D97-AF65-F5344CB8AC3E}">
-        <p14:creationId xmlns:p14="http://schemas.microsoft.com/office/powerpoint/2010/main" val="1117168160"/>
-      </p:ext>
-    </p:extLst>
-  </p:cSld>
-  <p:clrMapOvr>
-    <a:masterClrMapping/>
-  </p:clrMapOvr>
-</p:sld>
-</file>
-
-<file path=ppt/slides/slide4.xml><?xml version="1.0" encoding="utf-8"?>
-<p:sld xmlns:a="http://schemas.openxmlformats.org/drawingml/2006/main" xmlns:r="http://schemas.openxmlformats.org/officeDocument/2006/relationships" xmlns:p="http://schemas.openxmlformats.org/presentationml/2006/main">
-  <p:cSld>
-    <p:spTree>
-      <p:nvGrpSpPr>
-        <p:cNvPr id="1" name=""/>
-        <p:cNvGrpSpPr/>
-        <p:nvPr/>
-      </p:nvGrpSpPr>
-      <p:grpSpPr>
-        <a:xfrm>
-          <a:off x="0" y="0"/>
-          <a:ext cx="0" cy="0"/>
-          <a:chOff x="0" y="0"/>
-          <a:chExt cx="0" cy="0"/>
-        </a:xfrm>
-      </p:grpSpPr>
-      <p:pic>
-        <p:nvPicPr>
-          <p:cNvPr id="39" name="Picture 38">
-            <a:extLst>
-              <a:ext uri="{FF2B5EF4-FFF2-40B4-BE49-F238E27FC236}">
-                <a16:creationId xmlns:a16="http://schemas.microsoft.com/office/drawing/2014/main" id="{AA064402-9DCA-FDD9-FF34-D76A3BE7E56B}"/>
-              </a:ext>
-            </a:extLst>
-          </p:cNvPr>
-          <p:cNvPicPr>
-            <a:picLocks noChangeAspect="1"/>
-          </p:cNvPicPr>
-          <p:nvPr/>
-        </p:nvPicPr>
-        <p:blipFill rotWithShape="1">
-          <a:blip r:embed="rId2">
-            <a:lum bright="70000" contrast="-70000"/>
-            <a:extLst>
-              <a:ext uri="{BEBA8EAE-BF5A-486C-A8C5-ECC9F3942E4B}">
-                <a14:imgProps xmlns:a14="http://schemas.microsoft.com/office/drawing/2010/main">
-                  <a14:imgLayer r:embed="rId3">
-                    <a14:imgEffect>
-                      <a14:saturation sat="33000"/>
-                    </a14:imgEffect>
-                  </a14:imgLayer>
-                </a14:imgProps>
-              </a:ext>
-            </a:extLst>
-          </a:blip>
-          <a:srcRect t="20881" b="30768"/>
-          <a:stretch/>
-        </p:blipFill>
-        <p:spPr>
-          <a:xfrm>
-            <a:off x="9248950" y="299205"/>
-            <a:ext cx="2601533" cy="931970"/>
-          </a:xfrm>
-          <a:prstGeom prst="rect">
-            <a:avLst/>
-          </a:prstGeom>
-        </p:spPr>
-      </p:pic>
       <p:graphicFrame>
         <p:nvGraphicFramePr>
           <p:cNvPr id="3" name="Table 2">
@@ -4037,28 +4341,28 @@
           <p:nvPr>
             <p:extLst>
               <p:ext uri="{D42A27DB-BD31-4B8C-83A1-F6EECF244321}">
-                <p14:modId xmlns:p14="http://schemas.microsoft.com/office/powerpoint/2010/main" val="304159042"/>
+                <p14:modId xmlns:p14="http://schemas.microsoft.com/office/powerpoint/2010/main" val="3675467529"/>
               </p:ext>
             </p:extLst>
           </p:nvPr>
         </p:nvGraphicFramePr>
         <p:xfrm>
-          <a:off x="1736996" y="1684677"/>
-          <a:ext cx="4899586" cy="3251835"/>
+          <a:off x="1493875" y="1803082"/>
+          <a:ext cx="4853762" cy="3842806"/>
         </p:xfrm>
         <a:graphic>
           <a:graphicData uri="http://schemas.openxmlformats.org/drawingml/2006/table">
             <a:tbl>
               <a:tblPr/>
               <a:tblGrid>
-                <a:gridCol w="2449793">
+                <a:gridCol w="2743199">
                   <a:extLst>
                     <a:ext uri="{9D8B030D-6E8A-4147-A177-3AD203B41FA5}">
                       <a16:colId xmlns:a16="http://schemas.microsoft.com/office/drawing/2014/main" val="3375178630"/>
                     </a:ext>
                   </a:extLst>
                 </a:gridCol>
-                <a:gridCol w="2449793">
+                <a:gridCol w="2110563">
                   <a:extLst>
                     <a:ext uri="{9D8B030D-6E8A-4147-A177-3AD203B41FA5}">
                       <a16:colId xmlns:a16="http://schemas.microsoft.com/office/drawing/2014/main" val="3387926795"/>
@@ -4066,7 +4370,7 @@
                   </a:extLst>
                 </a:gridCol>
               </a:tblGrid>
-              <a:tr h="0">
+              <a:tr h="664105">
                 <a:tc>
                   <a:txBody>
                     <a:bodyPr/>
@@ -4172,7 +4476,7 @@
                   </a:ext>
                 </a:extLst>
               </a:tr>
-              <a:tr h="0">
+              <a:tr h="297159">
                 <a:tc>
                   <a:txBody>
                     <a:bodyPr/>
@@ -4243,7 +4547,7 @@
                   </a:ext>
                 </a:extLst>
               </a:tr>
-              <a:tr h="0">
+              <a:tr h="297159">
                 <a:tc>
                   <a:txBody>
                     <a:bodyPr/>
@@ -4314,7 +4618,7 @@
                   </a:ext>
                 </a:extLst>
               </a:tr>
-              <a:tr h="0">
+              <a:tr h="549294">
                 <a:tc>
                   <a:txBody>
                     <a:bodyPr/>
@@ -4322,7 +4626,7 @@
                     <a:p>
                       <a:pPr algn="l"/>
                       <a:r>
-                        <a:rPr lang="en-US" sz="1400">
+                        <a:rPr lang="en-US" sz="1400" dirty="0">
                           <a:effectLst/>
                           <a:latin typeface="Calibri" panose="020F0502020204030204" pitchFamily="34" charset="0"/>
                           <a:cs typeface="Calibri" panose="020F0502020204030204" pitchFamily="34" charset="0"/>
@@ -4354,7 +4658,7 @@
                     <a:p>
                       <a:pPr algn="r"/>
                       <a:r>
-                        <a:rPr lang="en-CL" sz="1400">
+                        <a:rPr lang="en-CL" sz="1400" dirty="0">
                           <a:effectLst/>
                           <a:latin typeface="Calibri" panose="020F0502020204030204" pitchFamily="34" charset="0"/>
                           <a:cs typeface="Calibri" panose="020F0502020204030204" pitchFamily="34" charset="0"/>
@@ -4385,7 +4689,7 @@
                   </a:ext>
                 </a:extLst>
               </a:tr>
-              <a:tr h="0">
+              <a:tr h="297159">
                 <a:tc>
                   <a:txBody>
                     <a:bodyPr/>
@@ -4456,7 +4760,7 @@
                   </a:ext>
                 </a:extLst>
               </a:tr>
-              <a:tr h="0">
+              <a:tr h="297159">
                 <a:tc>
                   <a:txBody>
                     <a:bodyPr/>
@@ -4527,7 +4831,7 @@
                   </a:ext>
                 </a:extLst>
               </a:tr>
-              <a:tr h="0">
+              <a:tr h="297159">
                 <a:tc>
                   <a:txBody>
                     <a:bodyPr/>
@@ -4598,7 +4902,7 @@
                   </a:ext>
                 </a:extLst>
               </a:tr>
-              <a:tr h="0">
+              <a:tr h="549294">
                 <a:tc>
                   <a:txBody>
                     <a:bodyPr/>
@@ -4669,7 +4973,7 @@
                   </a:ext>
                 </a:extLst>
               </a:tr>
-              <a:tr h="0">
+              <a:tr h="297159">
                 <a:tc>
                   <a:txBody>
                     <a:bodyPr/>
@@ -4740,7 +5044,7 @@
                   </a:ext>
                 </a:extLst>
               </a:tr>
-              <a:tr h="0">
+              <a:tr h="297159">
                 <a:tc>
                   <a:txBody>
                     <a:bodyPr/>
@@ -4748,7 +5052,7 @@
                     <a:p>
                       <a:pPr algn="l"/>
                       <a:r>
-                        <a:rPr lang="en-US" sz="1400" b="0" i="1">
+                        <a:rPr lang="en-US" sz="1400" b="0" i="1" dirty="0">
                           <a:solidFill>
                             <a:srgbClr val="FFFFFF"/>
                           </a:solidFill>
@@ -4845,8 +5149,8 @@
         </p:nvSpPr>
         <p:spPr>
           <a:xfrm>
-            <a:off x="7892143" y="2383972"/>
-            <a:ext cx="3701143" cy="646331"/>
+            <a:off x="1254550" y="565781"/>
+            <a:ext cx="6672022" cy="646331"/>
           </a:xfrm>
           <a:prstGeom prst="rect">
             <a:avLst/>
@@ -4860,18 +5164,38 @@
           <a:lstStyle/>
           <a:p>
             <a:r>
-              <a:rPr lang="en-US" dirty="0">
+              <a:rPr lang="es-ES" b="1" dirty="0">
                 <a:latin typeface="Calibri" panose="020F0502020204030204" pitchFamily="34" charset="0"/>
                 <a:cs typeface="Calibri" panose="020F0502020204030204" pitchFamily="34" charset="0"/>
               </a:rPr>
-              <a:t>*A</a:t>
-            </a:r>
-            <a:r>
-              <a:rPr lang="en-CL" dirty="0">
+              <a:t>Hábitats que caen por celda en la grilla.</a:t>
+            </a:r>
+            <a:endParaRPr lang="en-CL" b="1" dirty="0">
+              <a:latin typeface="Calibri" panose="020F0502020204030204" pitchFamily="34" charset="0"/>
+              <a:cs typeface="Calibri" panose="020F0502020204030204" pitchFamily="34" charset="0"/>
+            </a:endParaRPr>
+          </a:p>
+          <a:p>
+            <a:r>
+              <a:rPr lang="en-US" b="1" dirty="0">
+                <a:latin typeface="Calibri" panose="020F0502020204030204" pitchFamily="34" charset="0"/>
+                <a:cs typeface="Calibri" panose="020F0502020204030204" pitchFamily="34" charset="0"/>
+              </a:rPr>
+              <a:t>A</a:t>
+            </a:r>
+            <a:r>
+              <a:rPr lang="en-CL" b="1" dirty="0">
                 <a:latin typeface="Calibri" panose="020F0502020204030204" pitchFamily="34" charset="0"/>
                 <a:cs typeface="Calibri" panose="020F0502020204030204" pitchFamily="34" charset="0"/>
               </a:rPr>
               <a:t>lgunos habitats pueden tener 1+ estaciones</a:t>
+            </a:r>
+            <a:r>
+              <a:rPr lang="es-ES" b="1" dirty="0">
+                <a:latin typeface="Calibri" panose="020F0502020204030204" pitchFamily="34" charset="0"/>
+                <a:cs typeface="Calibri" panose="020F0502020204030204" pitchFamily="34" charset="0"/>
+              </a:rPr>
+              <a:t>. </a:t>
             </a:r>
           </a:p>
         </p:txBody>
@@ -4889,7 +5213,7 @@
 </p:sld>
 </file>
 
-<file path=ppt/slides/slide5.xml><?xml version="1.0" encoding="utf-8"?>
+<file path=ppt/slides/slide4.xml><?xml version="1.0" encoding="utf-8"?>
 <p:sld xmlns:a="http://schemas.openxmlformats.org/drawingml/2006/main" xmlns:r="http://schemas.openxmlformats.org/officeDocument/2006/relationships" xmlns:p="http://schemas.openxmlformats.org/presentationml/2006/main">
   <p:cSld>
     <p:spTree>
@@ -5036,7 +5360,1508 @@
 </p:sld>
 </file>
 
+<file path=ppt/slides/slide5.xml><?xml version="1.0" encoding="utf-8"?>
+<p:sld xmlns:a="http://schemas.openxmlformats.org/drawingml/2006/main" xmlns:r="http://schemas.openxmlformats.org/officeDocument/2006/relationships" xmlns:p="http://schemas.openxmlformats.org/presentationml/2006/main">
+  <p:cSld>
+    <p:spTree>
+      <p:nvGrpSpPr>
+        <p:cNvPr id="1" name=""/>
+        <p:cNvGrpSpPr/>
+        <p:nvPr/>
+      </p:nvGrpSpPr>
+      <p:grpSpPr>
+        <a:xfrm>
+          <a:off x="0" y="0"/>
+          <a:ext cx="0" cy="0"/>
+          <a:chOff x="0" y="0"/>
+          <a:chExt cx="0" cy="0"/>
+        </a:xfrm>
+      </p:grpSpPr>
+      <p:pic>
+        <p:nvPicPr>
+          <p:cNvPr id="7" name="Imagen 6">
+            <a:extLst>
+              <a:ext uri="{FF2B5EF4-FFF2-40B4-BE49-F238E27FC236}">
+                <a16:creationId xmlns:a16="http://schemas.microsoft.com/office/drawing/2014/main" id="{3556CDDD-AF37-4B24-8414-DEDBDF99D57D}"/>
+              </a:ext>
+            </a:extLst>
+          </p:cNvPr>
+          <p:cNvPicPr>
+            <a:picLocks noChangeAspect="1"/>
+          </p:cNvPicPr>
+          <p:nvPr/>
+        </p:nvPicPr>
+        <p:blipFill rotWithShape="1">
+          <a:blip r:embed="rId3"/>
+          <a:srcRect r="11983"/>
+          <a:stretch/>
+        </p:blipFill>
+        <p:spPr>
+          <a:xfrm>
+            <a:off x="1814028" y="828106"/>
+            <a:ext cx="8811152" cy="5753447"/>
+          </a:xfrm>
+          <a:prstGeom prst="rect">
+            <a:avLst/>
+          </a:prstGeom>
+        </p:spPr>
+      </p:pic>
+      <p:sp>
+        <p:nvSpPr>
+          <p:cNvPr id="9" name="CuadroTexto 8">
+            <a:extLst>
+              <a:ext uri="{FF2B5EF4-FFF2-40B4-BE49-F238E27FC236}">
+                <a16:creationId xmlns:a16="http://schemas.microsoft.com/office/drawing/2014/main" id="{829ABEC7-1EBB-4ABB-8DE3-217E3302B3A9}"/>
+              </a:ext>
+            </a:extLst>
+          </p:cNvPr>
+          <p:cNvSpPr txBox="1"/>
+          <p:nvPr/>
+        </p:nvSpPr>
+        <p:spPr>
+          <a:xfrm>
+            <a:off x="425302" y="334926"/>
+            <a:ext cx="4189228" cy="369332"/>
+          </a:xfrm>
+          <a:prstGeom prst="rect">
+            <a:avLst/>
+          </a:prstGeom>
+          <a:noFill/>
+        </p:spPr>
+        <p:txBody>
+          <a:bodyPr wrap="square" rtlCol="0">
+            <a:spAutoFit/>
+          </a:bodyPr>
+          <a:lstStyle/>
+          <a:p>
+            <a:r>
+              <a:rPr lang="es-ES" b="1" dirty="0"/>
+              <a:t>Datos campaña 2019 más los hábitats</a:t>
+            </a:r>
+          </a:p>
+        </p:txBody>
+      </p:sp>
+      <p:pic>
+        <p:nvPicPr>
+          <p:cNvPr id="10" name="Picture 38">
+            <a:extLst>
+              <a:ext uri="{FF2B5EF4-FFF2-40B4-BE49-F238E27FC236}">
+                <a16:creationId xmlns:a16="http://schemas.microsoft.com/office/drawing/2014/main" id="{9B1EF25E-8BE6-4E72-8F97-F11846F7E466}"/>
+              </a:ext>
+            </a:extLst>
+          </p:cNvPr>
+          <p:cNvPicPr>
+            <a:picLocks noChangeAspect="1"/>
+          </p:cNvPicPr>
+          <p:nvPr/>
+        </p:nvPicPr>
+        <p:blipFill rotWithShape="1">
+          <a:blip r:embed="rId4">
+            <a:lum bright="70000" contrast="-70000"/>
+            <a:extLst>
+              <a:ext uri="{BEBA8EAE-BF5A-486C-A8C5-ECC9F3942E4B}">
+                <a14:imgProps xmlns:a14="http://schemas.microsoft.com/office/drawing/2010/main">
+                  <a14:imgLayer r:embed="rId5">
+                    <a14:imgEffect>
+                      <a14:saturation sat="33000"/>
+                    </a14:imgEffect>
+                  </a14:imgLayer>
+                </a14:imgProps>
+              </a:ext>
+            </a:extLst>
+          </a:blip>
+          <a:srcRect t="20881" b="30768"/>
+          <a:stretch/>
+        </p:blipFill>
+        <p:spPr>
+          <a:xfrm>
+            <a:off x="9229381" y="314743"/>
+            <a:ext cx="2601533" cy="931970"/>
+          </a:xfrm>
+          <a:prstGeom prst="rect">
+            <a:avLst/>
+          </a:prstGeom>
+        </p:spPr>
+      </p:pic>
+    </p:spTree>
+    <p:extLst>
+      <p:ext uri="{BB962C8B-B14F-4D97-AF65-F5344CB8AC3E}">
+        <p14:creationId xmlns:p14="http://schemas.microsoft.com/office/powerpoint/2010/main" val="1823036368"/>
+      </p:ext>
+    </p:extLst>
+  </p:cSld>
+  <p:clrMapOvr>
+    <a:masterClrMapping/>
+  </p:clrMapOvr>
+</p:sld>
+</file>
+
 <file path=ppt/slides/slide6.xml><?xml version="1.0" encoding="utf-8"?>
+<p:sld xmlns:a="http://schemas.openxmlformats.org/drawingml/2006/main" xmlns:r="http://schemas.openxmlformats.org/officeDocument/2006/relationships" xmlns:p="http://schemas.openxmlformats.org/presentationml/2006/main">
+  <p:cSld>
+    <p:spTree>
+      <p:nvGrpSpPr>
+        <p:cNvPr id="1" name=""/>
+        <p:cNvGrpSpPr/>
+        <p:nvPr/>
+      </p:nvGrpSpPr>
+      <p:grpSpPr>
+        <a:xfrm>
+          <a:off x="0" y="0"/>
+          <a:ext cx="0" cy="0"/>
+          <a:chOff x="0" y="0"/>
+          <a:chExt cx="0" cy="0"/>
+        </a:xfrm>
+      </p:grpSpPr>
+      <p:graphicFrame>
+        <p:nvGraphicFramePr>
+          <p:cNvPr id="2" name="Tabla 1">
+            <a:extLst>
+              <a:ext uri="{FF2B5EF4-FFF2-40B4-BE49-F238E27FC236}">
+                <a16:creationId xmlns:a16="http://schemas.microsoft.com/office/drawing/2014/main" id="{B45429B7-E3BC-41A3-9E07-E8B3D6ADD2CB}"/>
+              </a:ext>
+            </a:extLst>
+          </p:cNvPr>
+          <p:cNvGraphicFramePr>
+            <a:graphicFrameLocks noGrp="1"/>
+          </p:cNvGraphicFramePr>
+          <p:nvPr>
+            <p:extLst>
+              <p:ext uri="{D42A27DB-BD31-4B8C-83A1-F6EECF244321}">
+                <p14:modId xmlns:p14="http://schemas.microsoft.com/office/powerpoint/2010/main" val="3369104242"/>
+              </p:ext>
+            </p:extLst>
+          </p:nvPr>
+        </p:nvGraphicFramePr>
+        <p:xfrm>
+          <a:off x="1637414" y="1749057"/>
+          <a:ext cx="8713383" cy="3412955"/>
+        </p:xfrm>
+        <a:graphic>
+          <a:graphicData uri="http://schemas.openxmlformats.org/drawingml/2006/table">
+            <a:tbl>
+              <a:tblPr>
+                <a:tableStyleId>{5C22544A-7EE6-4342-B048-85BDC9FD1C3A}</a:tableStyleId>
+              </a:tblPr>
+              <a:tblGrid>
+                <a:gridCol w="2904461">
+                  <a:extLst>
+                    <a:ext uri="{9D8B030D-6E8A-4147-A177-3AD203B41FA5}">
+                      <a16:colId xmlns:a16="http://schemas.microsoft.com/office/drawing/2014/main" val="1806706078"/>
+                    </a:ext>
+                  </a:extLst>
+                </a:gridCol>
+                <a:gridCol w="2904461">
+                  <a:extLst>
+                    <a:ext uri="{9D8B030D-6E8A-4147-A177-3AD203B41FA5}">
+                      <a16:colId xmlns:a16="http://schemas.microsoft.com/office/drawing/2014/main" val="1530296595"/>
+                    </a:ext>
+                  </a:extLst>
+                </a:gridCol>
+                <a:gridCol w="2904461">
+                  <a:extLst>
+                    <a:ext uri="{9D8B030D-6E8A-4147-A177-3AD203B41FA5}">
+                      <a16:colId xmlns:a16="http://schemas.microsoft.com/office/drawing/2014/main" val="3541827467"/>
+                    </a:ext>
+                  </a:extLst>
+                </a:gridCol>
+              </a:tblGrid>
+              <a:tr h="242750">
+                <a:tc>
+                  <a:txBody>
+                    <a:bodyPr/>
+                    <a:lstStyle/>
+                    <a:p>
+                      <a:pPr algn="ctr"/>
+                      <a:r>
+                        <a:rPr lang="es-ES" b="1" dirty="0" err="1"/>
+                        <a:t>Data_habi$MSFD_BBHT</a:t>
+                      </a:r>
+                      <a:endParaRPr lang="es-ES" b="1" dirty="0"/>
+                    </a:p>
+                  </a:txBody>
+                  <a:tcPr>
+                    <a:lnL w="12700" cap="flat" cmpd="sng" algn="ctr">
+                      <a:solidFill>
+                        <a:schemeClr val="tx1"/>
+                      </a:solidFill>
+                      <a:prstDash val="solid"/>
+                      <a:round/>
+                      <a:headEnd type="none" w="med" len="med"/>
+                      <a:tailEnd type="none" w="med" len="med"/>
+                    </a:lnL>
+                    <a:lnR w="12700" cap="flat" cmpd="sng" algn="ctr">
+                      <a:solidFill>
+                        <a:schemeClr val="tx1"/>
+                      </a:solidFill>
+                      <a:prstDash val="solid"/>
+                      <a:round/>
+                      <a:headEnd type="none" w="med" len="med"/>
+                      <a:tailEnd type="none" w="med" len="med"/>
+                    </a:lnR>
+                    <a:lnT w="12700" cap="flat" cmpd="sng" algn="ctr">
+                      <a:solidFill>
+                        <a:schemeClr val="tx1"/>
+                      </a:solidFill>
+                      <a:prstDash val="solid"/>
+                      <a:round/>
+                      <a:headEnd type="none" w="med" len="med"/>
+                      <a:tailEnd type="none" w="med" len="med"/>
+                    </a:lnT>
+                    <a:lnB w="12700" cap="flat" cmpd="sng" algn="ctr">
+                      <a:solidFill>
+                        <a:schemeClr val="tx1"/>
+                      </a:solidFill>
+                      <a:prstDash val="solid"/>
+                      <a:round/>
+                      <a:headEnd type="none" w="med" len="med"/>
+                      <a:tailEnd type="none" w="med" len="med"/>
+                    </a:lnB>
+                    <a:lnTlToBr w="12700" cmpd="sng">
+                      <a:noFill/>
+                      <a:prstDash val="solid"/>
+                    </a:lnTlToBr>
+                    <a:lnBlToTr w="12700" cmpd="sng">
+                      <a:noFill/>
+                      <a:prstDash val="solid"/>
+                    </a:lnBlToTr>
+                    <a:noFill/>
+                  </a:tcPr>
+                </a:tc>
+                <a:tc>
+                  <a:txBody>
+                    <a:bodyPr/>
+                    <a:lstStyle/>
+                    <a:p>
+                      <a:pPr algn="ctr"/>
+                      <a:r>
+                        <a:rPr lang="es-ES" b="1" dirty="0"/>
+                        <a:t>Número de estaciones</a:t>
+                      </a:r>
+                    </a:p>
+                  </a:txBody>
+                  <a:tcPr>
+                    <a:lnL w="12700" cap="flat" cmpd="sng" algn="ctr">
+                      <a:solidFill>
+                        <a:schemeClr val="tx1"/>
+                      </a:solidFill>
+                      <a:prstDash val="solid"/>
+                      <a:round/>
+                      <a:headEnd type="none" w="med" len="med"/>
+                      <a:tailEnd type="none" w="med" len="med"/>
+                    </a:lnL>
+                    <a:lnR w="12700" cap="flat" cmpd="sng" algn="ctr">
+                      <a:solidFill>
+                        <a:schemeClr val="tx1"/>
+                      </a:solidFill>
+                      <a:prstDash val="solid"/>
+                      <a:round/>
+                      <a:headEnd type="none" w="med" len="med"/>
+                      <a:tailEnd type="none" w="med" len="med"/>
+                    </a:lnR>
+                    <a:lnT w="12700" cap="flat" cmpd="sng" algn="ctr">
+                      <a:solidFill>
+                        <a:schemeClr val="tx1"/>
+                      </a:solidFill>
+                      <a:prstDash val="solid"/>
+                      <a:round/>
+                      <a:headEnd type="none" w="med" len="med"/>
+                      <a:tailEnd type="none" w="med" len="med"/>
+                    </a:lnT>
+                    <a:lnB w="12700" cap="flat" cmpd="sng" algn="ctr">
+                      <a:solidFill>
+                        <a:schemeClr val="tx1"/>
+                      </a:solidFill>
+                      <a:prstDash val="solid"/>
+                      <a:round/>
+                      <a:headEnd type="none" w="med" len="med"/>
+                      <a:tailEnd type="none" w="med" len="med"/>
+                    </a:lnB>
+                    <a:lnTlToBr w="12700" cmpd="sng">
+                      <a:noFill/>
+                      <a:prstDash val="solid"/>
+                    </a:lnTlToBr>
+                    <a:lnBlToTr w="12700" cmpd="sng">
+                      <a:noFill/>
+                      <a:prstDash val="solid"/>
+                    </a:lnBlToTr>
+                    <a:noFill/>
+                  </a:tcPr>
+                </a:tc>
+                <a:tc>
+                  <a:txBody>
+                    <a:bodyPr/>
+                    <a:lstStyle/>
+                    <a:p>
+                      <a:pPr algn="ctr"/>
+                      <a:r>
+                        <a:rPr lang="es-ES" b="1" dirty="0"/>
+                        <a:t>Especies</a:t>
+                      </a:r>
+                    </a:p>
+                  </a:txBody>
+                  <a:tcPr>
+                    <a:lnL w="12700" cap="flat" cmpd="sng" algn="ctr">
+                      <a:solidFill>
+                        <a:schemeClr val="tx1"/>
+                      </a:solidFill>
+                      <a:prstDash val="solid"/>
+                      <a:round/>
+                      <a:headEnd type="none" w="med" len="med"/>
+                      <a:tailEnd type="none" w="med" len="med"/>
+                    </a:lnL>
+                    <a:lnR w="12700" cap="flat" cmpd="sng" algn="ctr">
+                      <a:solidFill>
+                        <a:schemeClr val="tx1"/>
+                      </a:solidFill>
+                      <a:prstDash val="solid"/>
+                      <a:round/>
+                      <a:headEnd type="none" w="med" len="med"/>
+                      <a:tailEnd type="none" w="med" len="med"/>
+                    </a:lnR>
+                    <a:lnT w="12700" cap="flat" cmpd="sng" algn="ctr">
+                      <a:solidFill>
+                        <a:schemeClr val="tx1"/>
+                      </a:solidFill>
+                      <a:prstDash val="solid"/>
+                      <a:round/>
+                      <a:headEnd type="none" w="med" len="med"/>
+                      <a:tailEnd type="none" w="med" len="med"/>
+                    </a:lnT>
+                    <a:lnB w="12700" cap="flat" cmpd="sng" algn="ctr">
+                      <a:solidFill>
+                        <a:schemeClr val="tx1"/>
+                      </a:solidFill>
+                      <a:prstDash val="solid"/>
+                      <a:round/>
+                      <a:headEnd type="none" w="med" len="med"/>
+                      <a:tailEnd type="none" w="med" len="med"/>
+                    </a:lnB>
+                    <a:lnTlToBr w="12700" cmpd="sng">
+                      <a:noFill/>
+                      <a:prstDash val="solid"/>
+                    </a:lnTlToBr>
+                    <a:lnBlToTr w="12700" cmpd="sng">
+                      <a:noFill/>
+                      <a:prstDash val="solid"/>
+                    </a:lnBlToTr>
+                    <a:noFill/>
+                  </a:tcPr>
+                </a:tc>
+                <a:extLst>
+                  <a:ext uri="{0D108BD9-81ED-4DB2-BD59-A6C34878D82A}">
+                    <a16:rowId xmlns:a16="http://schemas.microsoft.com/office/drawing/2014/main" val="664187259"/>
+                  </a:ext>
+                </a:extLst>
+              </a:tr>
+              <a:tr h="481423">
+                <a:tc>
+                  <a:txBody>
+                    <a:bodyPr/>
+                    <a:lstStyle/>
+                    <a:p>
+                      <a:pPr algn="ctr"/>
+                      <a:r>
+                        <a:rPr lang="es-ES" dirty="0" err="1"/>
+                        <a:t>Circalittoral</a:t>
+                      </a:r>
+                      <a:r>
+                        <a:rPr lang="es-ES" dirty="0"/>
+                        <a:t> </a:t>
+                      </a:r>
+                      <a:r>
+                        <a:rPr lang="es-ES" dirty="0" err="1"/>
+                        <a:t>mud</a:t>
+                      </a:r>
+                      <a:endParaRPr lang="es-ES" dirty="0"/>
+                    </a:p>
+                  </a:txBody>
+                  <a:tcPr>
+                    <a:lnL w="12700" cap="flat" cmpd="sng" algn="ctr">
+                      <a:solidFill>
+                        <a:schemeClr val="tx1"/>
+                      </a:solidFill>
+                      <a:prstDash val="solid"/>
+                      <a:round/>
+                      <a:headEnd type="none" w="med" len="med"/>
+                      <a:tailEnd type="none" w="med" len="med"/>
+                    </a:lnL>
+                    <a:lnR w="12700" cap="flat" cmpd="sng" algn="ctr">
+                      <a:solidFill>
+                        <a:schemeClr val="tx1"/>
+                      </a:solidFill>
+                      <a:prstDash val="solid"/>
+                      <a:round/>
+                      <a:headEnd type="none" w="med" len="med"/>
+                      <a:tailEnd type="none" w="med" len="med"/>
+                    </a:lnR>
+                    <a:lnT w="12700" cap="flat" cmpd="sng" algn="ctr">
+                      <a:solidFill>
+                        <a:schemeClr val="tx1"/>
+                      </a:solidFill>
+                      <a:prstDash val="solid"/>
+                      <a:round/>
+                      <a:headEnd type="none" w="med" len="med"/>
+                      <a:tailEnd type="none" w="med" len="med"/>
+                    </a:lnT>
+                    <a:lnB w="12700" cap="flat" cmpd="sng" algn="ctr">
+                      <a:solidFill>
+                        <a:schemeClr val="tx1"/>
+                      </a:solidFill>
+                      <a:prstDash val="solid"/>
+                      <a:round/>
+                      <a:headEnd type="none" w="med" len="med"/>
+                      <a:tailEnd type="none" w="med" len="med"/>
+                    </a:lnB>
+                    <a:noFill/>
+                  </a:tcPr>
+                </a:tc>
+                <a:tc>
+                  <a:txBody>
+                    <a:bodyPr/>
+                    <a:lstStyle/>
+                    <a:p>
+                      <a:pPr algn="ctr"/>
+                      <a:r>
+                        <a:rPr lang="es-ES" dirty="0"/>
+                        <a:t>13</a:t>
+                      </a:r>
+                    </a:p>
+                  </a:txBody>
+                  <a:tcPr>
+                    <a:lnL w="12700" cap="flat" cmpd="sng" algn="ctr">
+                      <a:solidFill>
+                        <a:schemeClr val="tx1"/>
+                      </a:solidFill>
+                      <a:prstDash val="solid"/>
+                      <a:round/>
+                      <a:headEnd type="none" w="med" len="med"/>
+                      <a:tailEnd type="none" w="med" len="med"/>
+                    </a:lnL>
+                    <a:lnR w="12700" cap="flat" cmpd="sng" algn="ctr">
+                      <a:solidFill>
+                        <a:schemeClr val="tx1"/>
+                      </a:solidFill>
+                      <a:prstDash val="solid"/>
+                      <a:round/>
+                      <a:headEnd type="none" w="med" len="med"/>
+                      <a:tailEnd type="none" w="med" len="med"/>
+                    </a:lnR>
+                    <a:lnT w="12700" cap="flat" cmpd="sng" algn="ctr">
+                      <a:solidFill>
+                        <a:schemeClr val="tx1"/>
+                      </a:solidFill>
+                      <a:prstDash val="solid"/>
+                      <a:round/>
+                      <a:headEnd type="none" w="med" len="med"/>
+                      <a:tailEnd type="none" w="med" len="med"/>
+                    </a:lnT>
+                    <a:lnB w="12700" cap="flat" cmpd="sng" algn="ctr">
+                      <a:solidFill>
+                        <a:schemeClr val="tx1"/>
+                      </a:solidFill>
+                      <a:prstDash val="solid"/>
+                      <a:round/>
+                      <a:headEnd type="none" w="med" len="med"/>
+                      <a:tailEnd type="none" w="med" len="med"/>
+                    </a:lnB>
+                    <a:noFill/>
+                  </a:tcPr>
+                </a:tc>
+                <a:tc>
+                  <a:txBody>
+                    <a:bodyPr/>
+                    <a:lstStyle/>
+                    <a:p>
+                      <a:pPr algn="ctr"/>
+                      <a:r>
+                        <a:rPr lang="es-ES" dirty="0"/>
+                        <a:t>110</a:t>
+                      </a:r>
+                    </a:p>
+                  </a:txBody>
+                  <a:tcPr>
+                    <a:lnL w="12700" cap="flat" cmpd="sng" algn="ctr">
+                      <a:solidFill>
+                        <a:schemeClr val="tx1"/>
+                      </a:solidFill>
+                      <a:prstDash val="solid"/>
+                      <a:round/>
+                      <a:headEnd type="none" w="med" len="med"/>
+                      <a:tailEnd type="none" w="med" len="med"/>
+                    </a:lnL>
+                    <a:lnR w="12700" cap="flat" cmpd="sng" algn="ctr">
+                      <a:solidFill>
+                        <a:schemeClr val="tx1"/>
+                      </a:solidFill>
+                      <a:prstDash val="solid"/>
+                      <a:round/>
+                      <a:headEnd type="none" w="med" len="med"/>
+                      <a:tailEnd type="none" w="med" len="med"/>
+                    </a:lnR>
+                    <a:lnT w="12700" cap="flat" cmpd="sng" algn="ctr">
+                      <a:solidFill>
+                        <a:schemeClr val="tx1"/>
+                      </a:solidFill>
+                      <a:prstDash val="solid"/>
+                      <a:round/>
+                      <a:headEnd type="none" w="med" len="med"/>
+                      <a:tailEnd type="none" w="med" len="med"/>
+                    </a:lnT>
+                    <a:lnB w="12700" cap="flat" cmpd="sng" algn="ctr">
+                      <a:solidFill>
+                        <a:schemeClr val="tx1"/>
+                      </a:solidFill>
+                      <a:prstDash val="solid"/>
+                      <a:round/>
+                      <a:headEnd type="none" w="med" len="med"/>
+                      <a:tailEnd type="none" w="med" len="med"/>
+                    </a:lnB>
+                    <a:noFill/>
+                  </a:tcPr>
+                </a:tc>
+                <a:extLst>
+                  <a:ext uri="{0D108BD9-81ED-4DB2-BD59-A6C34878D82A}">
+                    <a16:rowId xmlns:a16="http://schemas.microsoft.com/office/drawing/2014/main" val="1061493508"/>
+                  </a:ext>
+                </a:extLst>
+              </a:tr>
+              <a:tr h="481423">
+                <a:tc>
+                  <a:txBody>
+                    <a:bodyPr/>
+                    <a:lstStyle/>
+                    <a:p>
+                      <a:pPr algn="ctr"/>
+                      <a:r>
+                        <a:rPr lang="es-ES" dirty="0" err="1"/>
+                        <a:t>Circalittoral</a:t>
+                      </a:r>
+                      <a:r>
+                        <a:rPr lang="es-ES" dirty="0"/>
+                        <a:t> </a:t>
+                      </a:r>
+                      <a:r>
+                        <a:rPr lang="es-ES" dirty="0" err="1"/>
+                        <a:t>sand</a:t>
+                      </a:r>
+                      <a:endParaRPr lang="es-ES" dirty="0"/>
+                    </a:p>
+                  </a:txBody>
+                  <a:tcPr>
+                    <a:lnL w="12700" cap="flat" cmpd="sng" algn="ctr">
+                      <a:solidFill>
+                        <a:schemeClr val="tx1"/>
+                      </a:solidFill>
+                      <a:prstDash val="solid"/>
+                      <a:round/>
+                      <a:headEnd type="none" w="med" len="med"/>
+                      <a:tailEnd type="none" w="med" len="med"/>
+                    </a:lnL>
+                    <a:lnR w="12700" cap="flat" cmpd="sng" algn="ctr">
+                      <a:solidFill>
+                        <a:schemeClr val="tx1"/>
+                      </a:solidFill>
+                      <a:prstDash val="solid"/>
+                      <a:round/>
+                      <a:headEnd type="none" w="med" len="med"/>
+                      <a:tailEnd type="none" w="med" len="med"/>
+                    </a:lnR>
+                    <a:lnT w="12700" cap="flat" cmpd="sng" algn="ctr">
+                      <a:solidFill>
+                        <a:schemeClr val="tx1"/>
+                      </a:solidFill>
+                      <a:prstDash val="solid"/>
+                      <a:round/>
+                      <a:headEnd type="none" w="med" len="med"/>
+                      <a:tailEnd type="none" w="med" len="med"/>
+                    </a:lnT>
+                    <a:lnB w="12700" cap="flat" cmpd="sng" algn="ctr">
+                      <a:solidFill>
+                        <a:schemeClr val="tx1"/>
+                      </a:solidFill>
+                      <a:prstDash val="solid"/>
+                      <a:round/>
+                      <a:headEnd type="none" w="med" len="med"/>
+                      <a:tailEnd type="none" w="med" len="med"/>
+                    </a:lnB>
+                    <a:noFill/>
+                  </a:tcPr>
+                </a:tc>
+                <a:tc>
+                  <a:txBody>
+                    <a:bodyPr/>
+                    <a:lstStyle/>
+                    <a:p>
+                      <a:pPr algn="ctr"/>
+                      <a:r>
+                        <a:rPr lang="es-ES" dirty="0"/>
+                        <a:t>12</a:t>
+                      </a:r>
+                    </a:p>
+                  </a:txBody>
+                  <a:tcPr>
+                    <a:lnL w="12700" cap="flat" cmpd="sng" algn="ctr">
+                      <a:solidFill>
+                        <a:schemeClr val="tx1"/>
+                      </a:solidFill>
+                      <a:prstDash val="solid"/>
+                      <a:round/>
+                      <a:headEnd type="none" w="med" len="med"/>
+                      <a:tailEnd type="none" w="med" len="med"/>
+                    </a:lnL>
+                    <a:lnR w="12700" cap="flat" cmpd="sng" algn="ctr">
+                      <a:solidFill>
+                        <a:schemeClr val="tx1"/>
+                      </a:solidFill>
+                      <a:prstDash val="solid"/>
+                      <a:round/>
+                      <a:headEnd type="none" w="med" len="med"/>
+                      <a:tailEnd type="none" w="med" len="med"/>
+                    </a:lnR>
+                    <a:lnT w="12700" cap="flat" cmpd="sng" algn="ctr">
+                      <a:solidFill>
+                        <a:schemeClr val="tx1"/>
+                      </a:solidFill>
+                      <a:prstDash val="solid"/>
+                      <a:round/>
+                      <a:headEnd type="none" w="med" len="med"/>
+                      <a:tailEnd type="none" w="med" len="med"/>
+                    </a:lnT>
+                    <a:lnB w="12700" cap="flat" cmpd="sng" algn="ctr">
+                      <a:solidFill>
+                        <a:schemeClr val="tx1"/>
+                      </a:solidFill>
+                      <a:prstDash val="solid"/>
+                      <a:round/>
+                      <a:headEnd type="none" w="med" len="med"/>
+                      <a:tailEnd type="none" w="med" len="med"/>
+                    </a:lnB>
+                    <a:noFill/>
+                  </a:tcPr>
+                </a:tc>
+                <a:tc>
+                  <a:txBody>
+                    <a:bodyPr/>
+                    <a:lstStyle/>
+                    <a:p>
+                      <a:pPr algn="ctr"/>
+                      <a:r>
+                        <a:rPr lang="es-ES" dirty="0"/>
+                        <a:t>1264</a:t>
+                      </a:r>
+                    </a:p>
+                  </a:txBody>
+                  <a:tcPr>
+                    <a:lnL w="12700" cap="flat" cmpd="sng" algn="ctr">
+                      <a:solidFill>
+                        <a:schemeClr val="tx1"/>
+                      </a:solidFill>
+                      <a:prstDash val="solid"/>
+                      <a:round/>
+                      <a:headEnd type="none" w="med" len="med"/>
+                      <a:tailEnd type="none" w="med" len="med"/>
+                    </a:lnL>
+                    <a:lnR w="12700" cap="flat" cmpd="sng" algn="ctr">
+                      <a:solidFill>
+                        <a:schemeClr val="tx1"/>
+                      </a:solidFill>
+                      <a:prstDash val="solid"/>
+                      <a:round/>
+                      <a:headEnd type="none" w="med" len="med"/>
+                      <a:tailEnd type="none" w="med" len="med"/>
+                    </a:lnR>
+                    <a:lnT w="12700" cap="flat" cmpd="sng" algn="ctr">
+                      <a:solidFill>
+                        <a:schemeClr val="tx1"/>
+                      </a:solidFill>
+                      <a:prstDash val="solid"/>
+                      <a:round/>
+                      <a:headEnd type="none" w="med" len="med"/>
+                      <a:tailEnd type="none" w="med" len="med"/>
+                    </a:lnT>
+                    <a:lnB w="12700" cap="flat" cmpd="sng" algn="ctr">
+                      <a:solidFill>
+                        <a:schemeClr val="tx1"/>
+                      </a:solidFill>
+                      <a:prstDash val="solid"/>
+                      <a:round/>
+                      <a:headEnd type="none" w="med" len="med"/>
+                      <a:tailEnd type="none" w="med" len="med"/>
+                    </a:lnB>
+                    <a:noFill/>
+                  </a:tcPr>
+                </a:tc>
+                <a:extLst>
+                  <a:ext uri="{0D108BD9-81ED-4DB2-BD59-A6C34878D82A}">
+                    <a16:rowId xmlns:a16="http://schemas.microsoft.com/office/drawing/2014/main" val="3110905152"/>
+                  </a:ext>
+                </a:extLst>
+              </a:tr>
+              <a:tr h="481423">
+                <a:tc>
+                  <a:txBody>
+                    <a:bodyPr/>
+                    <a:lstStyle/>
+                    <a:p>
+                      <a:pPr algn="ctr"/>
+                      <a:r>
+                        <a:rPr lang="es-ES" dirty="0" err="1"/>
+                        <a:t>Infralittoral</a:t>
+                      </a:r>
+                      <a:r>
+                        <a:rPr lang="es-ES" dirty="0"/>
+                        <a:t> </a:t>
+                      </a:r>
+                      <a:r>
+                        <a:rPr lang="es-ES" dirty="0" err="1"/>
+                        <a:t>coarse</a:t>
+                      </a:r>
+                      <a:r>
+                        <a:rPr lang="es-ES" dirty="0"/>
+                        <a:t> </a:t>
+                      </a:r>
+                      <a:r>
+                        <a:rPr lang="es-ES" dirty="0" err="1"/>
+                        <a:t>sediment</a:t>
+                      </a:r>
+                      <a:endParaRPr lang="es-ES" dirty="0"/>
+                    </a:p>
+                  </a:txBody>
+                  <a:tcPr>
+                    <a:lnL w="12700" cap="flat" cmpd="sng" algn="ctr">
+                      <a:solidFill>
+                        <a:schemeClr val="tx1"/>
+                      </a:solidFill>
+                      <a:prstDash val="solid"/>
+                      <a:round/>
+                      <a:headEnd type="none" w="med" len="med"/>
+                      <a:tailEnd type="none" w="med" len="med"/>
+                    </a:lnL>
+                    <a:lnR w="12700" cap="flat" cmpd="sng" algn="ctr">
+                      <a:solidFill>
+                        <a:schemeClr val="tx1"/>
+                      </a:solidFill>
+                      <a:prstDash val="solid"/>
+                      <a:round/>
+                      <a:headEnd type="none" w="med" len="med"/>
+                      <a:tailEnd type="none" w="med" len="med"/>
+                    </a:lnR>
+                    <a:lnT w="12700" cap="flat" cmpd="sng" algn="ctr">
+                      <a:solidFill>
+                        <a:schemeClr val="tx1"/>
+                      </a:solidFill>
+                      <a:prstDash val="solid"/>
+                      <a:round/>
+                      <a:headEnd type="none" w="med" len="med"/>
+                      <a:tailEnd type="none" w="med" len="med"/>
+                    </a:lnT>
+                    <a:lnB w="12700" cap="flat" cmpd="sng" algn="ctr">
+                      <a:solidFill>
+                        <a:schemeClr val="tx1"/>
+                      </a:solidFill>
+                      <a:prstDash val="solid"/>
+                      <a:round/>
+                      <a:headEnd type="none" w="med" len="med"/>
+                      <a:tailEnd type="none" w="med" len="med"/>
+                    </a:lnB>
+                    <a:noFill/>
+                  </a:tcPr>
+                </a:tc>
+                <a:tc>
+                  <a:txBody>
+                    <a:bodyPr/>
+                    <a:lstStyle/>
+                    <a:p>
+                      <a:pPr algn="ctr"/>
+                      <a:r>
+                        <a:rPr lang="es-ES" dirty="0"/>
+                        <a:t>4</a:t>
+                      </a:r>
+                    </a:p>
+                  </a:txBody>
+                  <a:tcPr>
+                    <a:lnL w="12700" cap="flat" cmpd="sng" algn="ctr">
+                      <a:solidFill>
+                        <a:schemeClr val="tx1"/>
+                      </a:solidFill>
+                      <a:prstDash val="solid"/>
+                      <a:round/>
+                      <a:headEnd type="none" w="med" len="med"/>
+                      <a:tailEnd type="none" w="med" len="med"/>
+                    </a:lnL>
+                    <a:lnR w="12700" cap="flat" cmpd="sng" algn="ctr">
+                      <a:solidFill>
+                        <a:schemeClr val="tx1"/>
+                      </a:solidFill>
+                      <a:prstDash val="solid"/>
+                      <a:round/>
+                      <a:headEnd type="none" w="med" len="med"/>
+                      <a:tailEnd type="none" w="med" len="med"/>
+                    </a:lnR>
+                    <a:lnT w="12700" cap="flat" cmpd="sng" algn="ctr">
+                      <a:solidFill>
+                        <a:schemeClr val="tx1"/>
+                      </a:solidFill>
+                      <a:prstDash val="solid"/>
+                      <a:round/>
+                      <a:headEnd type="none" w="med" len="med"/>
+                      <a:tailEnd type="none" w="med" len="med"/>
+                    </a:lnT>
+                    <a:lnB w="12700" cap="flat" cmpd="sng" algn="ctr">
+                      <a:solidFill>
+                        <a:schemeClr val="tx1"/>
+                      </a:solidFill>
+                      <a:prstDash val="solid"/>
+                      <a:round/>
+                      <a:headEnd type="none" w="med" len="med"/>
+                      <a:tailEnd type="none" w="med" len="med"/>
+                    </a:lnB>
+                    <a:noFill/>
+                  </a:tcPr>
+                </a:tc>
+                <a:tc>
+                  <a:txBody>
+                    <a:bodyPr/>
+                    <a:lstStyle/>
+                    <a:p>
+                      <a:pPr algn="ctr"/>
+                      <a:r>
+                        <a:rPr lang="es-ES" dirty="0"/>
+                        <a:t>253</a:t>
+                      </a:r>
+                    </a:p>
+                  </a:txBody>
+                  <a:tcPr>
+                    <a:lnL w="12700" cap="flat" cmpd="sng" algn="ctr">
+                      <a:solidFill>
+                        <a:schemeClr val="tx1"/>
+                      </a:solidFill>
+                      <a:prstDash val="solid"/>
+                      <a:round/>
+                      <a:headEnd type="none" w="med" len="med"/>
+                      <a:tailEnd type="none" w="med" len="med"/>
+                    </a:lnL>
+                    <a:lnR w="12700" cap="flat" cmpd="sng" algn="ctr">
+                      <a:solidFill>
+                        <a:schemeClr val="tx1"/>
+                      </a:solidFill>
+                      <a:prstDash val="solid"/>
+                      <a:round/>
+                      <a:headEnd type="none" w="med" len="med"/>
+                      <a:tailEnd type="none" w="med" len="med"/>
+                    </a:lnR>
+                    <a:lnT w="12700" cap="flat" cmpd="sng" algn="ctr">
+                      <a:solidFill>
+                        <a:schemeClr val="tx1"/>
+                      </a:solidFill>
+                      <a:prstDash val="solid"/>
+                      <a:round/>
+                      <a:headEnd type="none" w="med" len="med"/>
+                      <a:tailEnd type="none" w="med" len="med"/>
+                    </a:lnT>
+                    <a:lnB w="12700" cap="flat" cmpd="sng" algn="ctr">
+                      <a:solidFill>
+                        <a:schemeClr val="tx1"/>
+                      </a:solidFill>
+                      <a:prstDash val="solid"/>
+                      <a:round/>
+                      <a:headEnd type="none" w="med" len="med"/>
+                      <a:tailEnd type="none" w="med" len="med"/>
+                    </a:lnB>
+                    <a:noFill/>
+                  </a:tcPr>
+                </a:tc>
+                <a:extLst>
+                  <a:ext uri="{0D108BD9-81ED-4DB2-BD59-A6C34878D82A}">
+                    <a16:rowId xmlns:a16="http://schemas.microsoft.com/office/drawing/2014/main" val="2761530533"/>
+                  </a:ext>
+                </a:extLst>
+              </a:tr>
+              <a:tr h="481423">
+                <a:tc>
+                  <a:txBody>
+                    <a:bodyPr/>
+                    <a:lstStyle/>
+                    <a:p>
+                      <a:pPr algn="ctr"/>
+                      <a:r>
+                        <a:rPr lang="es-ES" dirty="0" err="1"/>
+                        <a:t>Infralittoral</a:t>
+                      </a:r>
+                      <a:r>
+                        <a:rPr lang="es-ES" dirty="0"/>
+                        <a:t> </a:t>
+                      </a:r>
+                      <a:r>
+                        <a:rPr lang="es-ES" dirty="0" err="1"/>
+                        <a:t>mixed</a:t>
+                      </a:r>
+                      <a:r>
+                        <a:rPr lang="es-ES" dirty="0"/>
+                        <a:t> </a:t>
+                      </a:r>
+                      <a:r>
+                        <a:rPr lang="es-ES" dirty="0" err="1"/>
+                        <a:t>sediment</a:t>
+                      </a:r>
+                      <a:endParaRPr lang="es-ES" dirty="0"/>
+                    </a:p>
+                  </a:txBody>
+                  <a:tcPr>
+                    <a:lnL w="12700" cap="flat" cmpd="sng" algn="ctr">
+                      <a:solidFill>
+                        <a:schemeClr val="tx1"/>
+                      </a:solidFill>
+                      <a:prstDash val="solid"/>
+                      <a:round/>
+                      <a:headEnd type="none" w="med" len="med"/>
+                      <a:tailEnd type="none" w="med" len="med"/>
+                    </a:lnL>
+                    <a:lnR w="12700" cap="flat" cmpd="sng" algn="ctr">
+                      <a:solidFill>
+                        <a:schemeClr val="tx1"/>
+                      </a:solidFill>
+                      <a:prstDash val="solid"/>
+                      <a:round/>
+                      <a:headEnd type="none" w="med" len="med"/>
+                      <a:tailEnd type="none" w="med" len="med"/>
+                    </a:lnR>
+                    <a:lnT w="12700" cap="flat" cmpd="sng" algn="ctr">
+                      <a:solidFill>
+                        <a:schemeClr val="tx1"/>
+                      </a:solidFill>
+                      <a:prstDash val="solid"/>
+                      <a:round/>
+                      <a:headEnd type="none" w="med" len="med"/>
+                      <a:tailEnd type="none" w="med" len="med"/>
+                    </a:lnT>
+                    <a:lnB w="12700" cap="flat" cmpd="sng" algn="ctr">
+                      <a:solidFill>
+                        <a:schemeClr val="tx1"/>
+                      </a:solidFill>
+                      <a:prstDash val="solid"/>
+                      <a:round/>
+                      <a:headEnd type="none" w="med" len="med"/>
+                      <a:tailEnd type="none" w="med" len="med"/>
+                    </a:lnB>
+                    <a:noFill/>
+                  </a:tcPr>
+                </a:tc>
+                <a:tc>
+                  <a:txBody>
+                    <a:bodyPr/>
+                    <a:lstStyle/>
+                    <a:p>
+                      <a:pPr algn="ctr"/>
+                      <a:r>
+                        <a:rPr lang="es-ES" dirty="0"/>
+                        <a:t>4</a:t>
+                      </a:r>
+                    </a:p>
+                  </a:txBody>
+                  <a:tcPr>
+                    <a:lnL w="12700" cap="flat" cmpd="sng" algn="ctr">
+                      <a:solidFill>
+                        <a:schemeClr val="tx1"/>
+                      </a:solidFill>
+                      <a:prstDash val="solid"/>
+                      <a:round/>
+                      <a:headEnd type="none" w="med" len="med"/>
+                      <a:tailEnd type="none" w="med" len="med"/>
+                    </a:lnL>
+                    <a:lnR w="12700" cap="flat" cmpd="sng" algn="ctr">
+                      <a:solidFill>
+                        <a:schemeClr val="tx1"/>
+                      </a:solidFill>
+                      <a:prstDash val="solid"/>
+                      <a:round/>
+                      <a:headEnd type="none" w="med" len="med"/>
+                      <a:tailEnd type="none" w="med" len="med"/>
+                    </a:lnR>
+                    <a:lnT w="12700" cap="flat" cmpd="sng" algn="ctr">
+                      <a:solidFill>
+                        <a:schemeClr val="tx1"/>
+                      </a:solidFill>
+                      <a:prstDash val="solid"/>
+                      <a:round/>
+                      <a:headEnd type="none" w="med" len="med"/>
+                      <a:tailEnd type="none" w="med" len="med"/>
+                    </a:lnT>
+                    <a:lnB w="12700" cap="flat" cmpd="sng" algn="ctr">
+                      <a:solidFill>
+                        <a:schemeClr val="tx1"/>
+                      </a:solidFill>
+                      <a:prstDash val="solid"/>
+                      <a:round/>
+                      <a:headEnd type="none" w="med" len="med"/>
+                      <a:tailEnd type="none" w="med" len="med"/>
+                    </a:lnB>
+                    <a:noFill/>
+                  </a:tcPr>
+                </a:tc>
+                <a:tc>
+                  <a:txBody>
+                    <a:bodyPr/>
+                    <a:lstStyle/>
+                    <a:p>
+                      <a:pPr algn="ctr"/>
+                      <a:r>
+                        <a:rPr lang="es-ES" dirty="0"/>
+                        <a:t>114</a:t>
+                      </a:r>
+                    </a:p>
+                  </a:txBody>
+                  <a:tcPr>
+                    <a:lnL w="12700" cap="flat" cmpd="sng" algn="ctr">
+                      <a:solidFill>
+                        <a:schemeClr val="tx1"/>
+                      </a:solidFill>
+                      <a:prstDash val="solid"/>
+                      <a:round/>
+                      <a:headEnd type="none" w="med" len="med"/>
+                      <a:tailEnd type="none" w="med" len="med"/>
+                    </a:lnL>
+                    <a:lnR w="12700" cap="flat" cmpd="sng" algn="ctr">
+                      <a:solidFill>
+                        <a:schemeClr val="tx1"/>
+                      </a:solidFill>
+                      <a:prstDash val="solid"/>
+                      <a:round/>
+                      <a:headEnd type="none" w="med" len="med"/>
+                      <a:tailEnd type="none" w="med" len="med"/>
+                    </a:lnR>
+                    <a:lnT w="12700" cap="flat" cmpd="sng" algn="ctr">
+                      <a:solidFill>
+                        <a:schemeClr val="tx1"/>
+                      </a:solidFill>
+                      <a:prstDash val="solid"/>
+                      <a:round/>
+                      <a:headEnd type="none" w="med" len="med"/>
+                      <a:tailEnd type="none" w="med" len="med"/>
+                    </a:lnT>
+                    <a:lnB w="12700" cap="flat" cmpd="sng" algn="ctr">
+                      <a:solidFill>
+                        <a:schemeClr val="tx1"/>
+                      </a:solidFill>
+                      <a:prstDash val="solid"/>
+                      <a:round/>
+                      <a:headEnd type="none" w="med" len="med"/>
+                      <a:tailEnd type="none" w="med" len="med"/>
+                    </a:lnB>
+                    <a:noFill/>
+                  </a:tcPr>
+                </a:tc>
+                <a:extLst>
+                  <a:ext uri="{0D108BD9-81ED-4DB2-BD59-A6C34878D82A}">
+                    <a16:rowId xmlns:a16="http://schemas.microsoft.com/office/drawing/2014/main" val="3616637908"/>
+                  </a:ext>
+                </a:extLst>
+              </a:tr>
+              <a:tr h="481423">
+                <a:tc>
+                  <a:txBody>
+                    <a:bodyPr/>
+                    <a:lstStyle/>
+                    <a:p>
+                      <a:pPr algn="ctr"/>
+                      <a:r>
+                        <a:rPr lang="es-ES" dirty="0" err="1"/>
+                        <a:t>Infralittoral</a:t>
+                      </a:r>
+                      <a:r>
+                        <a:rPr lang="es-ES" dirty="0"/>
+                        <a:t> </a:t>
+                      </a:r>
+                      <a:r>
+                        <a:rPr lang="es-ES" dirty="0" err="1"/>
+                        <a:t>mud</a:t>
+                      </a:r>
+                      <a:endParaRPr lang="es-ES" dirty="0"/>
+                    </a:p>
+                  </a:txBody>
+                  <a:tcPr>
+                    <a:lnL w="12700" cap="flat" cmpd="sng" algn="ctr">
+                      <a:solidFill>
+                        <a:schemeClr val="tx1"/>
+                      </a:solidFill>
+                      <a:prstDash val="solid"/>
+                      <a:round/>
+                      <a:headEnd type="none" w="med" len="med"/>
+                      <a:tailEnd type="none" w="med" len="med"/>
+                    </a:lnL>
+                    <a:lnR w="12700" cap="flat" cmpd="sng" algn="ctr">
+                      <a:solidFill>
+                        <a:schemeClr val="tx1"/>
+                      </a:solidFill>
+                      <a:prstDash val="solid"/>
+                      <a:round/>
+                      <a:headEnd type="none" w="med" len="med"/>
+                      <a:tailEnd type="none" w="med" len="med"/>
+                    </a:lnR>
+                    <a:lnT w="12700" cap="flat" cmpd="sng" algn="ctr">
+                      <a:solidFill>
+                        <a:schemeClr val="tx1"/>
+                      </a:solidFill>
+                      <a:prstDash val="solid"/>
+                      <a:round/>
+                      <a:headEnd type="none" w="med" len="med"/>
+                      <a:tailEnd type="none" w="med" len="med"/>
+                    </a:lnT>
+                    <a:lnB w="12700" cap="flat" cmpd="sng" algn="ctr">
+                      <a:solidFill>
+                        <a:schemeClr val="tx1"/>
+                      </a:solidFill>
+                      <a:prstDash val="solid"/>
+                      <a:round/>
+                      <a:headEnd type="none" w="med" len="med"/>
+                      <a:tailEnd type="none" w="med" len="med"/>
+                    </a:lnB>
+                    <a:noFill/>
+                  </a:tcPr>
+                </a:tc>
+                <a:tc>
+                  <a:txBody>
+                    <a:bodyPr/>
+                    <a:lstStyle/>
+                    <a:p>
+                      <a:pPr algn="ctr"/>
+                      <a:r>
+                        <a:rPr lang="es-ES" dirty="0"/>
+                        <a:t>15</a:t>
+                      </a:r>
+                    </a:p>
+                  </a:txBody>
+                  <a:tcPr>
+                    <a:lnL w="12700" cap="flat" cmpd="sng" algn="ctr">
+                      <a:solidFill>
+                        <a:schemeClr val="tx1"/>
+                      </a:solidFill>
+                      <a:prstDash val="solid"/>
+                      <a:round/>
+                      <a:headEnd type="none" w="med" len="med"/>
+                      <a:tailEnd type="none" w="med" len="med"/>
+                    </a:lnL>
+                    <a:lnR w="12700" cap="flat" cmpd="sng" algn="ctr">
+                      <a:solidFill>
+                        <a:schemeClr val="tx1"/>
+                      </a:solidFill>
+                      <a:prstDash val="solid"/>
+                      <a:round/>
+                      <a:headEnd type="none" w="med" len="med"/>
+                      <a:tailEnd type="none" w="med" len="med"/>
+                    </a:lnR>
+                    <a:lnT w="12700" cap="flat" cmpd="sng" algn="ctr">
+                      <a:solidFill>
+                        <a:schemeClr val="tx1"/>
+                      </a:solidFill>
+                      <a:prstDash val="solid"/>
+                      <a:round/>
+                      <a:headEnd type="none" w="med" len="med"/>
+                      <a:tailEnd type="none" w="med" len="med"/>
+                    </a:lnT>
+                    <a:lnB w="12700" cap="flat" cmpd="sng" algn="ctr">
+                      <a:solidFill>
+                        <a:schemeClr val="tx1"/>
+                      </a:solidFill>
+                      <a:prstDash val="solid"/>
+                      <a:round/>
+                      <a:headEnd type="none" w="med" len="med"/>
+                      <a:tailEnd type="none" w="med" len="med"/>
+                    </a:lnB>
+                    <a:noFill/>
+                  </a:tcPr>
+                </a:tc>
+                <a:tc>
+                  <a:txBody>
+                    <a:bodyPr/>
+                    <a:lstStyle/>
+                    <a:p>
+                      <a:pPr algn="ctr"/>
+                      <a:r>
+                        <a:rPr lang="es-ES" dirty="0"/>
+                        <a:t>179</a:t>
+                      </a:r>
+                    </a:p>
+                  </a:txBody>
+                  <a:tcPr>
+                    <a:lnL w="12700" cap="flat" cmpd="sng" algn="ctr">
+                      <a:solidFill>
+                        <a:schemeClr val="tx1"/>
+                      </a:solidFill>
+                      <a:prstDash val="solid"/>
+                      <a:round/>
+                      <a:headEnd type="none" w="med" len="med"/>
+                      <a:tailEnd type="none" w="med" len="med"/>
+                    </a:lnL>
+                    <a:lnR w="12700" cap="flat" cmpd="sng" algn="ctr">
+                      <a:solidFill>
+                        <a:schemeClr val="tx1"/>
+                      </a:solidFill>
+                      <a:prstDash val="solid"/>
+                      <a:round/>
+                      <a:headEnd type="none" w="med" len="med"/>
+                      <a:tailEnd type="none" w="med" len="med"/>
+                    </a:lnR>
+                    <a:lnT w="12700" cap="flat" cmpd="sng" algn="ctr">
+                      <a:solidFill>
+                        <a:schemeClr val="tx1"/>
+                      </a:solidFill>
+                      <a:prstDash val="solid"/>
+                      <a:round/>
+                      <a:headEnd type="none" w="med" len="med"/>
+                      <a:tailEnd type="none" w="med" len="med"/>
+                    </a:lnT>
+                    <a:lnB w="12700" cap="flat" cmpd="sng" algn="ctr">
+                      <a:solidFill>
+                        <a:schemeClr val="tx1"/>
+                      </a:solidFill>
+                      <a:prstDash val="solid"/>
+                      <a:round/>
+                      <a:headEnd type="none" w="med" len="med"/>
+                      <a:tailEnd type="none" w="med" len="med"/>
+                    </a:lnB>
+                    <a:noFill/>
+                  </a:tcPr>
+                </a:tc>
+                <a:extLst>
+                  <a:ext uri="{0D108BD9-81ED-4DB2-BD59-A6C34878D82A}">
+                    <a16:rowId xmlns:a16="http://schemas.microsoft.com/office/drawing/2014/main" val="1447498908"/>
+                  </a:ext>
+                </a:extLst>
+              </a:tr>
+              <a:tr h="481423">
+                <a:tc>
+                  <a:txBody>
+                    <a:bodyPr/>
+                    <a:lstStyle/>
+                    <a:p>
+                      <a:pPr algn="ctr"/>
+                      <a:r>
+                        <a:rPr lang="es-ES" dirty="0" err="1"/>
+                        <a:t>Infralittoral</a:t>
+                      </a:r>
+                      <a:r>
+                        <a:rPr lang="es-ES" dirty="0"/>
+                        <a:t> </a:t>
+                      </a:r>
+                      <a:r>
+                        <a:rPr lang="es-ES" dirty="0" err="1"/>
+                        <a:t>sand</a:t>
+                      </a:r>
+                      <a:endParaRPr lang="es-ES" dirty="0"/>
+                    </a:p>
+                  </a:txBody>
+                  <a:tcPr>
+                    <a:lnL w="12700" cap="flat" cmpd="sng" algn="ctr">
+                      <a:solidFill>
+                        <a:schemeClr val="tx1"/>
+                      </a:solidFill>
+                      <a:prstDash val="solid"/>
+                      <a:round/>
+                      <a:headEnd type="none" w="med" len="med"/>
+                      <a:tailEnd type="none" w="med" len="med"/>
+                    </a:lnL>
+                    <a:lnR w="12700" cap="flat" cmpd="sng" algn="ctr">
+                      <a:solidFill>
+                        <a:schemeClr val="tx1"/>
+                      </a:solidFill>
+                      <a:prstDash val="solid"/>
+                      <a:round/>
+                      <a:headEnd type="none" w="med" len="med"/>
+                      <a:tailEnd type="none" w="med" len="med"/>
+                    </a:lnR>
+                    <a:lnT w="12700" cap="flat" cmpd="sng" algn="ctr">
+                      <a:solidFill>
+                        <a:schemeClr val="tx1"/>
+                      </a:solidFill>
+                      <a:prstDash val="solid"/>
+                      <a:round/>
+                      <a:headEnd type="none" w="med" len="med"/>
+                      <a:tailEnd type="none" w="med" len="med"/>
+                    </a:lnT>
+                    <a:lnB w="12700" cap="flat" cmpd="sng" algn="ctr">
+                      <a:solidFill>
+                        <a:schemeClr val="tx1"/>
+                      </a:solidFill>
+                      <a:prstDash val="solid"/>
+                      <a:round/>
+                      <a:headEnd type="none" w="med" len="med"/>
+                      <a:tailEnd type="none" w="med" len="med"/>
+                    </a:lnB>
+                    <a:noFill/>
+                  </a:tcPr>
+                </a:tc>
+                <a:tc>
+                  <a:txBody>
+                    <a:bodyPr/>
+                    <a:lstStyle/>
+                    <a:p>
+                      <a:pPr algn="ctr"/>
+                      <a:r>
+                        <a:rPr lang="es-ES" dirty="0"/>
+                        <a:t>64</a:t>
+                      </a:r>
+                    </a:p>
+                  </a:txBody>
+                  <a:tcPr>
+                    <a:lnL w="12700" cap="flat" cmpd="sng" algn="ctr">
+                      <a:solidFill>
+                        <a:schemeClr val="tx1"/>
+                      </a:solidFill>
+                      <a:prstDash val="solid"/>
+                      <a:round/>
+                      <a:headEnd type="none" w="med" len="med"/>
+                      <a:tailEnd type="none" w="med" len="med"/>
+                    </a:lnL>
+                    <a:lnR w="12700" cap="flat" cmpd="sng" algn="ctr">
+                      <a:solidFill>
+                        <a:schemeClr val="tx1"/>
+                      </a:solidFill>
+                      <a:prstDash val="solid"/>
+                      <a:round/>
+                      <a:headEnd type="none" w="med" len="med"/>
+                      <a:tailEnd type="none" w="med" len="med"/>
+                    </a:lnR>
+                    <a:lnT w="12700" cap="flat" cmpd="sng" algn="ctr">
+                      <a:solidFill>
+                        <a:schemeClr val="tx1"/>
+                      </a:solidFill>
+                      <a:prstDash val="solid"/>
+                      <a:round/>
+                      <a:headEnd type="none" w="med" len="med"/>
+                      <a:tailEnd type="none" w="med" len="med"/>
+                    </a:lnT>
+                    <a:lnB w="12700" cap="flat" cmpd="sng" algn="ctr">
+                      <a:solidFill>
+                        <a:schemeClr val="tx1"/>
+                      </a:solidFill>
+                      <a:prstDash val="solid"/>
+                      <a:round/>
+                      <a:headEnd type="none" w="med" len="med"/>
+                      <a:tailEnd type="none" w="med" len="med"/>
+                    </a:lnB>
+                    <a:noFill/>
+                  </a:tcPr>
+                </a:tc>
+                <a:tc>
+                  <a:txBody>
+                    <a:bodyPr/>
+                    <a:lstStyle/>
+                    <a:p>
+                      <a:pPr algn="ctr"/>
+                      <a:r>
+                        <a:rPr lang="es-ES" dirty="0"/>
+                        <a:t>201</a:t>
+                      </a:r>
+                    </a:p>
+                  </a:txBody>
+                  <a:tcPr>
+                    <a:lnL w="12700" cap="flat" cmpd="sng" algn="ctr">
+                      <a:solidFill>
+                        <a:schemeClr val="tx1"/>
+                      </a:solidFill>
+                      <a:prstDash val="solid"/>
+                      <a:round/>
+                      <a:headEnd type="none" w="med" len="med"/>
+                      <a:tailEnd type="none" w="med" len="med"/>
+                    </a:lnL>
+                    <a:lnR w="12700" cap="flat" cmpd="sng" algn="ctr">
+                      <a:solidFill>
+                        <a:schemeClr val="tx1"/>
+                      </a:solidFill>
+                      <a:prstDash val="solid"/>
+                      <a:round/>
+                      <a:headEnd type="none" w="med" len="med"/>
+                      <a:tailEnd type="none" w="med" len="med"/>
+                    </a:lnR>
+                    <a:lnT w="12700" cap="flat" cmpd="sng" algn="ctr">
+                      <a:solidFill>
+                        <a:schemeClr val="tx1"/>
+                      </a:solidFill>
+                      <a:prstDash val="solid"/>
+                      <a:round/>
+                      <a:headEnd type="none" w="med" len="med"/>
+                      <a:tailEnd type="none" w="med" len="med"/>
+                    </a:lnT>
+                    <a:lnB w="12700" cap="flat" cmpd="sng" algn="ctr">
+                      <a:solidFill>
+                        <a:schemeClr val="tx1"/>
+                      </a:solidFill>
+                      <a:prstDash val="solid"/>
+                      <a:round/>
+                      <a:headEnd type="none" w="med" len="med"/>
+                      <a:tailEnd type="none" w="med" len="med"/>
+                    </a:lnB>
+                    <a:noFill/>
+                  </a:tcPr>
+                </a:tc>
+                <a:extLst>
+                  <a:ext uri="{0D108BD9-81ED-4DB2-BD59-A6C34878D82A}">
+                    <a16:rowId xmlns:a16="http://schemas.microsoft.com/office/drawing/2014/main" val="2116799302"/>
+                  </a:ext>
+                </a:extLst>
+              </a:tr>
+            </a:tbl>
+          </a:graphicData>
+        </a:graphic>
+      </p:graphicFrame>
+      <p:pic>
+        <p:nvPicPr>
+          <p:cNvPr id="3" name="Picture 38">
+            <a:extLst>
+              <a:ext uri="{FF2B5EF4-FFF2-40B4-BE49-F238E27FC236}">
+                <a16:creationId xmlns:a16="http://schemas.microsoft.com/office/drawing/2014/main" id="{A1AFC9E9-65AA-4542-841D-F01A7E752708}"/>
+              </a:ext>
+            </a:extLst>
+          </p:cNvPr>
+          <p:cNvPicPr>
+            <a:picLocks noChangeAspect="1"/>
+          </p:cNvPicPr>
+          <p:nvPr/>
+        </p:nvPicPr>
+        <p:blipFill rotWithShape="1">
+          <a:blip r:embed="rId2">
+            <a:lum bright="70000" contrast="-70000"/>
+            <a:extLst>
+              <a:ext uri="{BEBA8EAE-BF5A-486C-A8C5-ECC9F3942E4B}">
+                <a14:imgProps xmlns:a14="http://schemas.microsoft.com/office/drawing/2010/main">
+                  <a14:imgLayer r:embed="rId3">
+                    <a14:imgEffect>
+                      <a14:saturation sat="33000"/>
+                    </a14:imgEffect>
+                  </a14:imgLayer>
+                </a14:imgProps>
+              </a:ext>
+            </a:extLst>
+          </a:blip>
+          <a:srcRect t="20881" b="30768"/>
+          <a:stretch/>
+        </p:blipFill>
+        <p:spPr>
+          <a:xfrm>
+            <a:off x="9229381" y="314743"/>
+            <a:ext cx="2601533" cy="931970"/>
+          </a:xfrm>
+          <a:prstGeom prst="rect">
+            <a:avLst/>
+          </a:prstGeom>
+        </p:spPr>
+      </p:pic>
+    </p:spTree>
+    <p:extLst>
+      <p:ext uri="{BB962C8B-B14F-4D97-AF65-F5344CB8AC3E}">
+        <p14:creationId xmlns:p14="http://schemas.microsoft.com/office/powerpoint/2010/main" val="3476214336"/>
+      </p:ext>
+    </p:extLst>
+  </p:cSld>
+  <p:clrMapOvr>
+    <a:masterClrMapping/>
+  </p:clrMapOvr>
+</p:sld>
+</file>
+
+<file path=ppt/slides/slide7.xml><?xml version="1.0" encoding="utf-8"?>
 <p:sld xmlns:a="http://schemas.openxmlformats.org/drawingml/2006/main" xmlns:r="http://schemas.openxmlformats.org/officeDocument/2006/relationships" xmlns:p="http://schemas.openxmlformats.org/presentationml/2006/main">
   <p:cSld>
     <p:spTree>
@@ -5087,8 +6912,67 @@
         </p:blipFill>
         <p:spPr>
           <a:xfrm>
-            <a:off x="9248950" y="299205"/>
+            <a:off x="9229381" y="314743"/>
             <a:ext cx="2601533" cy="931970"/>
+          </a:xfrm>
+          <a:prstGeom prst="rect">
+            <a:avLst/>
+          </a:prstGeom>
+        </p:spPr>
+      </p:pic>
+      <p:pic>
+        <p:nvPicPr>
+          <p:cNvPr id="9" name="Picture 8">
+            <a:extLst>
+              <a:ext uri="{FF2B5EF4-FFF2-40B4-BE49-F238E27FC236}">
+                <a16:creationId xmlns:a16="http://schemas.microsoft.com/office/drawing/2014/main" id="{B195A39D-C819-134B-3FF9-C5348ADA9588}"/>
+              </a:ext>
+            </a:extLst>
+          </p:cNvPr>
+          <p:cNvPicPr>
+            <a:picLocks noChangeAspect="1"/>
+          </p:cNvPicPr>
+          <p:nvPr/>
+        </p:nvPicPr>
+        <p:blipFill rotWithShape="1">
+          <a:blip r:embed="rId4"/>
+          <a:srcRect r="47236"/>
+          <a:stretch/>
+        </p:blipFill>
+        <p:spPr>
+          <a:xfrm>
+            <a:off x="222160" y="445562"/>
+            <a:ext cx="3860443" cy="6097017"/>
+          </a:xfrm>
+          <a:prstGeom prst="rect">
+            <a:avLst/>
+          </a:prstGeom>
+        </p:spPr>
+      </p:pic>
+      <p:pic>
+        <p:nvPicPr>
+          <p:cNvPr id="12" name="Picture 11" descr="A white background with black text&#10;&#10;Description automatically generated">
+            <a:extLst>
+              <a:ext uri="{FF2B5EF4-FFF2-40B4-BE49-F238E27FC236}">
+                <a16:creationId xmlns:a16="http://schemas.microsoft.com/office/drawing/2014/main" id="{31DC4693-BBD7-F19D-FF45-E8C0DC1D9755}"/>
+              </a:ext>
+            </a:extLst>
+          </p:cNvPr>
+          <p:cNvPicPr>
+            <a:picLocks noChangeAspect="1"/>
+          </p:cNvPicPr>
+          <p:nvPr/>
+        </p:nvPicPr>
+        <p:blipFill>
+          <a:blip r:embed="rId5"/>
+          <a:stretch>
+            <a:fillRect/>
+          </a:stretch>
+        </p:blipFill>
+        <p:spPr>
+          <a:xfrm>
+            <a:off x="3607179" y="1854557"/>
+            <a:ext cx="8362661" cy="3708843"/>
           </a:xfrm>
           <a:prstGeom prst="rect">
             <a:avLst/>
@@ -5097,10 +6981,10 @@
       </p:pic>
       <p:sp>
         <p:nvSpPr>
-          <p:cNvPr id="2" name="TextBox 1">
+          <p:cNvPr id="13" name="TextBox 12">
             <a:extLst>
               <a:ext uri="{FF2B5EF4-FFF2-40B4-BE49-F238E27FC236}">
-                <a16:creationId xmlns:a16="http://schemas.microsoft.com/office/drawing/2014/main" id="{41C2AB7A-2B50-9EEC-4DDD-96DB52E684A8}"/>
+                <a16:creationId xmlns:a16="http://schemas.microsoft.com/office/drawing/2014/main" id="{BBFFD7F2-7295-6D00-0237-5221D6DDD1A1}"/>
               </a:ext>
             </a:extLst>
           </p:cNvPr>
@@ -5109,8 +6993,8 @@
         </p:nvSpPr>
         <p:spPr>
           <a:xfrm>
-            <a:off x="1352282" y="2356834"/>
-            <a:ext cx="1335109" cy="369332"/>
+            <a:off x="4767943" y="780728"/>
+            <a:ext cx="3776098" cy="369332"/>
           </a:xfrm>
           <a:prstGeom prst="rect">
             <a:avLst/>
@@ -5124,18 +7008,11 @@
           <a:lstStyle/>
           <a:p>
             <a:r>
-              <a:rPr lang="en-US" dirty="0">
+              <a:rPr lang="en-CL" b="1" dirty="0">
                 <a:latin typeface="Calibri" panose="020F0502020204030204" pitchFamily="34" charset="0"/>
                 <a:cs typeface="Calibri" panose="020F0502020204030204" pitchFamily="34" charset="0"/>
               </a:rPr>
-              <a:t>O</a:t>
-            </a:r>
-            <a:r>
-              <a:rPr lang="en-CL" dirty="0">
-                <a:latin typeface="Calibri" panose="020F0502020204030204" pitchFamily="34" charset="0"/>
-                <a:cs typeface="Calibri" panose="020F0502020204030204" pitchFamily="34" charset="0"/>
-              </a:rPr>
-              <a:t>tro indice?</a:t>
+              <a:t>Campaña ACUVEN3D  2019- INBENTO</a:t>
             </a:r>
           </a:p>
         </p:txBody>
@@ -5143,7 +7020,867 @@
     </p:spTree>
     <p:extLst>
       <p:ext uri="{BB962C8B-B14F-4D97-AF65-F5344CB8AC3E}">
-        <p14:creationId xmlns:p14="http://schemas.microsoft.com/office/powerpoint/2010/main" val="4230739818"/>
+        <p14:creationId xmlns:p14="http://schemas.microsoft.com/office/powerpoint/2010/main" val="1117168160"/>
+      </p:ext>
+    </p:extLst>
+  </p:cSld>
+  <p:clrMapOvr>
+    <a:masterClrMapping/>
+  </p:clrMapOvr>
+</p:sld>
+</file>
+
+<file path=ppt/slides/slide8.xml><?xml version="1.0" encoding="utf-8"?>
+<p:sld xmlns:a="http://schemas.openxmlformats.org/drawingml/2006/main" xmlns:r="http://schemas.openxmlformats.org/officeDocument/2006/relationships" xmlns:p="http://schemas.openxmlformats.org/presentationml/2006/main">
+  <p:cSld>
+    <p:spTree>
+      <p:nvGrpSpPr>
+        <p:cNvPr id="1" name=""/>
+        <p:cNvGrpSpPr/>
+        <p:nvPr/>
+      </p:nvGrpSpPr>
+      <p:grpSpPr>
+        <a:xfrm>
+          <a:off x="0" y="0"/>
+          <a:ext cx="0" cy="0"/>
+          <a:chOff x="0" y="0"/>
+          <a:chExt cx="0" cy="0"/>
+        </a:xfrm>
+      </p:grpSpPr>
+      <p:graphicFrame>
+        <p:nvGraphicFramePr>
+          <p:cNvPr id="3" name="Tabla 2">
+            <a:extLst>
+              <a:ext uri="{FF2B5EF4-FFF2-40B4-BE49-F238E27FC236}">
+                <a16:creationId xmlns:a16="http://schemas.microsoft.com/office/drawing/2014/main" id="{3B0D2FBF-FC15-43DA-A530-4BC6820D8615}"/>
+              </a:ext>
+            </a:extLst>
+          </p:cNvPr>
+          <p:cNvGraphicFramePr>
+            <a:graphicFrameLocks noGrp="1"/>
+          </p:cNvGraphicFramePr>
+          <p:nvPr>
+            <p:extLst>
+              <p:ext uri="{D42A27DB-BD31-4B8C-83A1-F6EECF244321}">
+                <p14:modId xmlns:p14="http://schemas.microsoft.com/office/powerpoint/2010/main" val="654398313"/>
+              </p:ext>
+            </p:extLst>
+          </p:nvPr>
+        </p:nvGraphicFramePr>
+        <p:xfrm>
+          <a:off x="797441" y="719665"/>
+          <a:ext cx="10850530" cy="1327101"/>
+        </p:xfrm>
+        <a:graphic>
+          <a:graphicData uri="http://schemas.openxmlformats.org/drawingml/2006/table">
+            <a:tbl>
+              <a:tblPr firstRow="1" bandRow="1">
+                <a:tableStyleId>{5C22544A-7EE6-4342-B048-85BDC9FD1C3A}</a:tableStyleId>
+              </a:tblPr>
+              <a:tblGrid>
+                <a:gridCol w="1085053">
+                  <a:extLst>
+                    <a:ext uri="{9D8B030D-6E8A-4147-A177-3AD203B41FA5}">
+                      <a16:colId xmlns:a16="http://schemas.microsoft.com/office/drawing/2014/main" val="3094239901"/>
+                    </a:ext>
+                  </a:extLst>
+                </a:gridCol>
+                <a:gridCol w="1085053">
+                  <a:extLst>
+                    <a:ext uri="{9D8B030D-6E8A-4147-A177-3AD203B41FA5}">
+                      <a16:colId xmlns:a16="http://schemas.microsoft.com/office/drawing/2014/main" val="1452224265"/>
+                    </a:ext>
+                  </a:extLst>
+                </a:gridCol>
+                <a:gridCol w="1085053">
+                  <a:extLst>
+                    <a:ext uri="{9D8B030D-6E8A-4147-A177-3AD203B41FA5}">
+                      <a16:colId xmlns:a16="http://schemas.microsoft.com/office/drawing/2014/main" val="25595338"/>
+                    </a:ext>
+                  </a:extLst>
+                </a:gridCol>
+                <a:gridCol w="1085053">
+                  <a:extLst>
+                    <a:ext uri="{9D8B030D-6E8A-4147-A177-3AD203B41FA5}">
+                      <a16:colId xmlns:a16="http://schemas.microsoft.com/office/drawing/2014/main" val="77809337"/>
+                    </a:ext>
+                  </a:extLst>
+                </a:gridCol>
+                <a:gridCol w="1085053">
+                  <a:extLst>
+                    <a:ext uri="{9D8B030D-6E8A-4147-A177-3AD203B41FA5}">
+                      <a16:colId xmlns:a16="http://schemas.microsoft.com/office/drawing/2014/main" val="2050042456"/>
+                    </a:ext>
+                  </a:extLst>
+                </a:gridCol>
+                <a:gridCol w="1085053">
+                  <a:extLst>
+                    <a:ext uri="{9D8B030D-6E8A-4147-A177-3AD203B41FA5}">
+                      <a16:colId xmlns:a16="http://schemas.microsoft.com/office/drawing/2014/main" val="4263363196"/>
+                    </a:ext>
+                  </a:extLst>
+                </a:gridCol>
+                <a:gridCol w="1085053">
+                  <a:extLst>
+                    <a:ext uri="{9D8B030D-6E8A-4147-A177-3AD203B41FA5}">
+                      <a16:colId xmlns:a16="http://schemas.microsoft.com/office/drawing/2014/main" val="3122056115"/>
+                    </a:ext>
+                  </a:extLst>
+                </a:gridCol>
+                <a:gridCol w="1085053">
+                  <a:extLst>
+                    <a:ext uri="{9D8B030D-6E8A-4147-A177-3AD203B41FA5}">
+                      <a16:colId xmlns:a16="http://schemas.microsoft.com/office/drawing/2014/main" val="4046387367"/>
+                    </a:ext>
+                  </a:extLst>
+                </a:gridCol>
+                <a:gridCol w="1085053">
+                  <a:extLst>
+                    <a:ext uri="{9D8B030D-6E8A-4147-A177-3AD203B41FA5}">
+                      <a16:colId xmlns:a16="http://schemas.microsoft.com/office/drawing/2014/main" val="804564472"/>
+                    </a:ext>
+                  </a:extLst>
+                </a:gridCol>
+                <a:gridCol w="1085053">
+                  <a:extLst>
+                    <a:ext uri="{9D8B030D-6E8A-4147-A177-3AD203B41FA5}">
+                      <a16:colId xmlns:a16="http://schemas.microsoft.com/office/drawing/2014/main" val="3794141468"/>
+                    </a:ext>
+                  </a:extLst>
+                </a:gridCol>
+              </a:tblGrid>
+              <a:tr h="1327101">
+                <a:tc>
+                  <a:txBody>
+                    <a:bodyPr/>
+                    <a:lstStyle/>
+                    <a:p>
+                      <a:pPr algn="ctr" fontAlgn="ctr"/>
+                      <a:r>
+                        <a:rPr lang="es-ES" sz="1400" b="1" i="0" u="none" strike="noStrike" dirty="0">
+                          <a:solidFill>
+                            <a:srgbClr val="000000"/>
+                          </a:solidFill>
+                          <a:effectLst/>
+                          <a:latin typeface="Calibri" panose="020F0502020204030204" pitchFamily="34" charset="0"/>
+                        </a:rPr>
+                        <a:t>SIZE</a:t>
+                      </a:r>
+                    </a:p>
+                  </a:txBody>
+                  <a:tcPr marL="3175" marR="3175" marT="3175" marB="0" anchor="ctr">
+                    <a:lnL w="12700" cap="flat" cmpd="sng" algn="ctr">
+                      <a:solidFill>
+                        <a:schemeClr val="tx1"/>
+                      </a:solidFill>
+                      <a:prstDash val="solid"/>
+                      <a:round/>
+                      <a:headEnd type="none" w="med" len="med"/>
+                      <a:tailEnd type="none" w="med" len="med"/>
+                    </a:lnL>
+                    <a:lnR w="12700" cap="flat" cmpd="sng" algn="ctr">
+                      <a:solidFill>
+                        <a:schemeClr val="tx1"/>
+                      </a:solidFill>
+                      <a:prstDash val="solid"/>
+                      <a:round/>
+                      <a:headEnd type="none" w="med" len="med"/>
+                      <a:tailEnd type="none" w="med" len="med"/>
+                    </a:lnR>
+                    <a:lnT w="12700" cap="flat" cmpd="sng" algn="ctr">
+                      <a:solidFill>
+                        <a:schemeClr val="tx1"/>
+                      </a:solidFill>
+                      <a:prstDash val="solid"/>
+                      <a:round/>
+                      <a:headEnd type="none" w="med" len="med"/>
+                      <a:tailEnd type="none" w="med" len="med"/>
+                    </a:lnT>
+                    <a:lnB w="12700" cap="flat" cmpd="sng" algn="ctr">
+                      <a:solidFill>
+                        <a:schemeClr val="tx1"/>
+                      </a:solidFill>
+                      <a:prstDash val="solid"/>
+                      <a:round/>
+                      <a:headEnd type="none" w="med" len="med"/>
+                      <a:tailEnd type="none" w="med" len="med"/>
+                    </a:lnB>
+                    <a:noFill/>
+                  </a:tcPr>
+                </a:tc>
+                <a:tc>
+                  <a:txBody>
+                    <a:bodyPr/>
+                    <a:lstStyle/>
+                    <a:p>
+                      <a:pPr algn="ctr" fontAlgn="ctr"/>
+                      <a:r>
+                        <a:rPr lang="es-ES" sz="1400" b="1" i="0" u="none" strike="noStrike">
+                          <a:solidFill>
+                            <a:srgbClr val="000000"/>
+                          </a:solidFill>
+                          <a:effectLst/>
+                          <a:latin typeface="Calibri" panose="020F0502020204030204" pitchFamily="34" charset="0"/>
+                        </a:rPr>
+                        <a:t>LONGEVITY</a:t>
+                      </a:r>
+                    </a:p>
+                  </a:txBody>
+                  <a:tcPr marL="3175" marR="3175" marT="3175" marB="0" anchor="ctr">
+                    <a:lnL w="12700" cap="flat" cmpd="sng" algn="ctr">
+                      <a:solidFill>
+                        <a:schemeClr val="tx1"/>
+                      </a:solidFill>
+                      <a:prstDash val="solid"/>
+                      <a:round/>
+                      <a:headEnd type="none" w="med" len="med"/>
+                      <a:tailEnd type="none" w="med" len="med"/>
+                    </a:lnL>
+                    <a:lnR w="12700" cap="flat" cmpd="sng" algn="ctr">
+                      <a:solidFill>
+                        <a:schemeClr val="tx1"/>
+                      </a:solidFill>
+                      <a:prstDash val="solid"/>
+                      <a:round/>
+                      <a:headEnd type="none" w="med" len="med"/>
+                      <a:tailEnd type="none" w="med" len="med"/>
+                    </a:lnR>
+                    <a:lnT w="12700" cap="flat" cmpd="sng" algn="ctr">
+                      <a:solidFill>
+                        <a:schemeClr val="tx1"/>
+                      </a:solidFill>
+                      <a:prstDash val="solid"/>
+                      <a:round/>
+                      <a:headEnd type="none" w="med" len="med"/>
+                      <a:tailEnd type="none" w="med" len="med"/>
+                    </a:lnT>
+                    <a:lnB w="12700" cap="flat" cmpd="sng" algn="ctr">
+                      <a:solidFill>
+                        <a:schemeClr val="tx1"/>
+                      </a:solidFill>
+                      <a:prstDash val="solid"/>
+                      <a:round/>
+                      <a:headEnd type="none" w="med" len="med"/>
+                      <a:tailEnd type="none" w="med" len="med"/>
+                    </a:lnB>
+                    <a:noFill/>
+                  </a:tcPr>
+                </a:tc>
+                <a:tc>
+                  <a:txBody>
+                    <a:bodyPr/>
+                    <a:lstStyle/>
+                    <a:p>
+                      <a:pPr algn="ctr" fontAlgn="ctr"/>
+                      <a:r>
+                        <a:rPr lang="es-ES" sz="1400" b="1" i="0" u="none" strike="noStrike">
+                          <a:solidFill>
+                            <a:srgbClr val="000000"/>
+                          </a:solidFill>
+                          <a:effectLst/>
+                          <a:latin typeface="Calibri" panose="020F0502020204030204" pitchFamily="34" charset="0"/>
+                        </a:rPr>
+                        <a:t>MOTILITY</a:t>
+                      </a:r>
+                    </a:p>
+                  </a:txBody>
+                  <a:tcPr marL="3175" marR="3175" marT="3175" marB="0" anchor="ctr">
+                    <a:lnL w="12700" cap="flat" cmpd="sng" algn="ctr">
+                      <a:solidFill>
+                        <a:schemeClr val="tx1"/>
+                      </a:solidFill>
+                      <a:prstDash val="solid"/>
+                      <a:round/>
+                      <a:headEnd type="none" w="med" len="med"/>
+                      <a:tailEnd type="none" w="med" len="med"/>
+                    </a:lnL>
+                    <a:lnR w="12700" cap="flat" cmpd="sng" algn="ctr">
+                      <a:solidFill>
+                        <a:schemeClr val="tx1"/>
+                      </a:solidFill>
+                      <a:prstDash val="solid"/>
+                      <a:round/>
+                      <a:headEnd type="none" w="med" len="med"/>
+                      <a:tailEnd type="none" w="med" len="med"/>
+                    </a:lnR>
+                    <a:lnT w="12700" cap="flat" cmpd="sng" algn="ctr">
+                      <a:solidFill>
+                        <a:schemeClr val="tx1"/>
+                      </a:solidFill>
+                      <a:prstDash val="solid"/>
+                      <a:round/>
+                      <a:headEnd type="none" w="med" len="med"/>
+                      <a:tailEnd type="none" w="med" len="med"/>
+                    </a:lnT>
+                    <a:lnB w="12700" cap="flat" cmpd="sng" algn="ctr">
+                      <a:solidFill>
+                        <a:schemeClr val="tx1"/>
+                      </a:solidFill>
+                      <a:prstDash val="solid"/>
+                      <a:round/>
+                      <a:headEnd type="none" w="med" len="med"/>
+                      <a:tailEnd type="none" w="med" len="med"/>
+                    </a:lnB>
+                    <a:noFill/>
+                  </a:tcPr>
+                </a:tc>
+                <a:tc>
+                  <a:txBody>
+                    <a:bodyPr/>
+                    <a:lstStyle/>
+                    <a:p>
+                      <a:pPr algn="ctr" fontAlgn="ctr"/>
+                      <a:r>
+                        <a:rPr lang="es-ES" sz="1400" b="1" i="0" u="none" strike="noStrike" dirty="0">
+                          <a:solidFill>
+                            <a:srgbClr val="000000"/>
+                          </a:solidFill>
+                          <a:effectLst/>
+                          <a:latin typeface="Calibri" panose="020F0502020204030204" pitchFamily="34" charset="0"/>
+                        </a:rPr>
+                        <a:t>ATTACHMENT</a:t>
+                      </a:r>
+                    </a:p>
+                  </a:txBody>
+                  <a:tcPr marL="3175" marR="3175" marT="3175" marB="0" anchor="ctr">
+                    <a:lnL w="12700" cap="flat" cmpd="sng" algn="ctr">
+                      <a:solidFill>
+                        <a:schemeClr val="tx1"/>
+                      </a:solidFill>
+                      <a:prstDash val="solid"/>
+                      <a:round/>
+                      <a:headEnd type="none" w="med" len="med"/>
+                      <a:tailEnd type="none" w="med" len="med"/>
+                    </a:lnL>
+                    <a:lnR w="12700" cap="flat" cmpd="sng" algn="ctr">
+                      <a:solidFill>
+                        <a:schemeClr val="tx1"/>
+                      </a:solidFill>
+                      <a:prstDash val="solid"/>
+                      <a:round/>
+                      <a:headEnd type="none" w="med" len="med"/>
+                      <a:tailEnd type="none" w="med" len="med"/>
+                    </a:lnR>
+                    <a:lnT w="12700" cap="flat" cmpd="sng" algn="ctr">
+                      <a:solidFill>
+                        <a:schemeClr val="tx1"/>
+                      </a:solidFill>
+                      <a:prstDash val="solid"/>
+                      <a:round/>
+                      <a:headEnd type="none" w="med" len="med"/>
+                      <a:tailEnd type="none" w="med" len="med"/>
+                    </a:lnT>
+                    <a:lnB w="12700" cap="flat" cmpd="sng" algn="ctr">
+                      <a:solidFill>
+                        <a:schemeClr val="tx1"/>
+                      </a:solidFill>
+                      <a:prstDash val="solid"/>
+                      <a:round/>
+                      <a:headEnd type="none" w="med" len="med"/>
+                      <a:tailEnd type="none" w="med" len="med"/>
+                    </a:lnB>
+                    <a:noFill/>
+                  </a:tcPr>
+                </a:tc>
+                <a:tc>
+                  <a:txBody>
+                    <a:bodyPr/>
+                    <a:lstStyle/>
+                    <a:p>
+                      <a:pPr algn="ctr" fontAlgn="ctr"/>
+                      <a:r>
+                        <a:rPr lang="es-ES" sz="1400" b="1" i="0" u="none" strike="noStrike">
+                          <a:solidFill>
+                            <a:srgbClr val="000000"/>
+                          </a:solidFill>
+                          <a:effectLst/>
+                          <a:latin typeface="Calibri" panose="020F0502020204030204" pitchFamily="34" charset="0"/>
+                        </a:rPr>
+                        <a:t>BENTHIC POSITION</a:t>
+                      </a:r>
+                    </a:p>
+                  </a:txBody>
+                  <a:tcPr marL="3175" marR="3175" marT="3175" marB="0" anchor="ctr">
+                    <a:lnL w="12700" cap="flat" cmpd="sng" algn="ctr">
+                      <a:solidFill>
+                        <a:schemeClr val="tx1"/>
+                      </a:solidFill>
+                      <a:prstDash val="solid"/>
+                      <a:round/>
+                      <a:headEnd type="none" w="med" len="med"/>
+                      <a:tailEnd type="none" w="med" len="med"/>
+                    </a:lnL>
+                    <a:lnR w="12700" cap="flat" cmpd="sng" algn="ctr">
+                      <a:solidFill>
+                        <a:schemeClr val="tx1"/>
+                      </a:solidFill>
+                      <a:prstDash val="solid"/>
+                      <a:round/>
+                      <a:headEnd type="none" w="med" len="med"/>
+                      <a:tailEnd type="none" w="med" len="med"/>
+                    </a:lnR>
+                    <a:lnT w="12700" cap="flat" cmpd="sng" algn="ctr">
+                      <a:solidFill>
+                        <a:schemeClr val="tx1"/>
+                      </a:solidFill>
+                      <a:prstDash val="solid"/>
+                      <a:round/>
+                      <a:headEnd type="none" w="med" len="med"/>
+                      <a:tailEnd type="none" w="med" len="med"/>
+                    </a:lnT>
+                    <a:lnB w="12700" cap="flat" cmpd="sng" algn="ctr">
+                      <a:solidFill>
+                        <a:schemeClr val="tx1"/>
+                      </a:solidFill>
+                      <a:prstDash val="solid"/>
+                      <a:round/>
+                      <a:headEnd type="none" w="med" len="med"/>
+                      <a:tailEnd type="none" w="med" len="med"/>
+                    </a:lnB>
+                    <a:noFill/>
+                  </a:tcPr>
+                </a:tc>
+                <a:tc>
+                  <a:txBody>
+                    <a:bodyPr/>
+                    <a:lstStyle/>
+                    <a:p>
+                      <a:pPr algn="ctr" fontAlgn="ctr"/>
+                      <a:r>
+                        <a:rPr lang="es-ES" sz="1400" b="1" i="0" u="none" strike="noStrike" dirty="0">
+                          <a:solidFill>
+                            <a:srgbClr val="000000"/>
+                          </a:solidFill>
+                          <a:effectLst/>
+                          <a:latin typeface="Calibri" panose="020F0502020204030204" pitchFamily="34" charset="0"/>
+                        </a:rPr>
+                        <a:t>FLEXIBILITY</a:t>
+                      </a:r>
+                    </a:p>
+                  </a:txBody>
+                  <a:tcPr marL="3175" marR="3175" marT="3175" marB="0" anchor="ctr">
+                    <a:lnL w="12700" cap="flat" cmpd="sng" algn="ctr">
+                      <a:solidFill>
+                        <a:schemeClr val="tx1"/>
+                      </a:solidFill>
+                      <a:prstDash val="solid"/>
+                      <a:round/>
+                      <a:headEnd type="none" w="med" len="med"/>
+                      <a:tailEnd type="none" w="med" len="med"/>
+                    </a:lnL>
+                    <a:lnR w="12700" cap="flat" cmpd="sng" algn="ctr">
+                      <a:solidFill>
+                        <a:schemeClr val="tx1"/>
+                      </a:solidFill>
+                      <a:prstDash val="solid"/>
+                      <a:round/>
+                      <a:headEnd type="none" w="med" len="med"/>
+                      <a:tailEnd type="none" w="med" len="med"/>
+                    </a:lnR>
+                    <a:lnT w="12700" cap="flat" cmpd="sng" algn="ctr">
+                      <a:solidFill>
+                        <a:schemeClr val="tx1"/>
+                      </a:solidFill>
+                      <a:prstDash val="solid"/>
+                      <a:round/>
+                      <a:headEnd type="none" w="med" len="med"/>
+                      <a:tailEnd type="none" w="med" len="med"/>
+                    </a:lnT>
+                    <a:lnB w="12700" cap="flat" cmpd="sng" algn="ctr">
+                      <a:solidFill>
+                        <a:schemeClr val="tx1"/>
+                      </a:solidFill>
+                      <a:prstDash val="solid"/>
+                      <a:round/>
+                      <a:headEnd type="none" w="med" len="med"/>
+                      <a:tailEnd type="none" w="med" len="med"/>
+                    </a:lnB>
+                    <a:noFill/>
+                  </a:tcPr>
+                </a:tc>
+                <a:tc>
+                  <a:txBody>
+                    <a:bodyPr/>
+                    <a:lstStyle/>
+                    <a:p>
+                      <a:pPr algn="ctr" fontAlgn="ctr"/>
+                      <a:r>
+                        <a:rPr lang="es-ES" sz="1400" b="1" i="0" u="none" strike="noStrike" dirty="0">
+                          <a:solidFill>
+                            <a:srgbClr val="000000"/>
+                          </a:solidFill>
+                          <a:effectLst/>
+                          <a:latin typeface="Calibri" panose="020F0502020204030204" pitchFamily="34" charset="0"/>
+                        </a:rPr>
+                        <a:t>FRAGILITY</a:t>
+                      </a:r>
+                    </a:p>
+                  </a:txBody>
+                  <a:tcPr marL="3175" marR="3175" marT="3175" marB="0" anchor="ctr">
+                    <a:lnL w="12700" cap="flat" cmpd="sng" algn="ctr">
+                      <a:solidFill>
+                        <a:schemeClr val="tx1"/>
+                      </a:solidFill>
+                      <a:prstDash val="solid"/>
+                      <a:round/>
+                      <a:headEnd type="none" w="med" len="med"/>
+                      <a:tailEnd type="none" w="med" len="med"/>
+                    </a:lnL>
+                    <a:lnR w="12700" cap="flat" cmpd="sng" algn="ctr">
+                      <a:solidFill>
+                        <a:schemeClr val="tx1"/>
+                      </a:solidFill>
+                      <a:prstDash val="solid"/>
+                      <a:round/>
+                      <a:headEnd type="none" w="med" len="med"/>
+                      <a:tailEnd type="none" w="med" len="med"/>
+                    </a:lnR>
+                    <a:lnT w="12700" cap="flat" cmpd="sng" algn="ctr">
+                      <a:solidFill>
+                        <a:schemeClr val="tx1"/>
+                      </a:solidFill>
+                      <a:prstDash val="solid"/>
+                      <a:round/>
+                      <a:headEnd type="none" w="med" len="med"/>
+                      <a:tailEnd type="none" w="med" len="med"/>
+                    </a:lnT>
+                    <a:lnB w="12700" cap="flat" cmpd="sng" algn="ctr">
+                      <a:solidFill>
+                        <a:schemeClr val="tx1"/>
+                      </a:solidFill>
+                      <a:prstDash val="solid"/>
+                      <a:round/>
+                      <a:headEnd type="none" w="med" len="med"/>
+                      <a:tailEnd type="none" w="med" len="med"/>
+                    </a:lnB>
+                    <a:solidFill>
+                      <a:schemeClr val="accent2"/>
+                    </a:solidFill>
+                  </a:tcPr>
+                </a:tc>
+                <a:tc>
+                  <a:txBody>
+                    <a:bodyPr/>
+                    <a:lstStyle/>
+                    <a:p>
+                      <a:pPr algn="ctr" fontAlgn="ctr"/>
+                      <a:r>
+                        <a:rPr lang="es-ES" sz="1400" b="1" i="0" u="none" strike="noStrike">
+                          <a:solidFill>
+                            <a:srgbClr val="000000"/>
+                          </a:solidFill>
+                          <a:effectLst/>
+                          <a:latin typeface="Calibri" panose="020F0502020204030204" pitchFamily="34" charset="0"/>
+                        </a:rPr>
+                        <a:t>FEEDING HABIT</a:t>
+                      </a:r>
+                    </a:p>
+                  </a:txBody>
+                  <a:tcPr marL="3175" marR="3175" marT="3175" marB="0" anchor="ctr">
+                    <a:lnL w="12700" cap="flat" cmpd="sng" algn="ctr">
+                      <a:solidFill>
+                        <a:schemeClr val="tx1"/>
+                      </a:solidFill>
+                      <a:prstDash val="solid"/>
+                      <a:round/>
+                      <a:headEnd type="none" w="med" len="med"/>
+                      <a:tailEnd type="none" w="med" len="med"/>
+                    </a:lnL>
+                    <a:lnR w="12700" cap="flat" cmpd="sng" algn="ctr">
+                      <a:solidFill>
+                        <a:schemeClr val="tx1"/>
+                      </a:solidFill>
+                      <a:prstDash val="solid"/>
+                      <a:round/>
+                      <a:headEnd type="none" w="med" len="med"/>
+                      <a:tailEnd type="none" w="med" len="med"/>
+                    </a:lnR>
+                    <a:lnT w="12700" cap="flat" cmpd="sng" algn="ctr">
+                      <a:solidFill>
+                        <a:schemeClr val="tx1"/>
+                      </a:solidFill>
+                      <a:prstDash val="solid"/>
+                      <a:round/>
+                      <a:headEnd type="none" w="med" len="med"/>
+                      <a:tailEnd type="none" w="med" len="med"/>
+                    </a:lnT>
+                    <a:lnB w="12700" cap="flat" cmpd="sng" algn="ctr">
+                      <a:solidFill>
+                        <a:schemeClr val="tx1"/>
+                      </a:solidFill>
+                      <a:prstDash val="solid"/>
+                      <a:round/>
+                      <a:headEnd type="none" w="med" len="med"/>
+                      <a:tailEnd type="none" w="med" len="med"/>
+                    </a:lnB>
+                    <a:noFill/>
+                  </a:tcPr>
+                </a:tc>
+                <a:tc>
+                  <a:txBody>
+                    <a:bodyPr/>
+                    <a:lstStyle/>
+                    <a:p>
+                      <a:pPr algn="ctr" fontAlgn="ctr"/>
+                      <a:r>
+                        <a:rPr lang="es-ES" sz="1400" b="1" i="0" u="none" strike="noStrike" dirty="0">
+                          <a:solidFill>
+                            <a:srgbClr val="000000"/>
+                          </a:solidFill>
+                          <a:effectLst/>
+                          <a:latin typeface="Calibri" panose="020F0502020204030204" pitchFamily="34" charset="0"/>
+                        </a:rPr>
+                        <a:t>DAÑO</a:t>
+                      </a:r>
+                    </a:p>
+                  </a:txBody>
+                  <a:tcPr marL="3175" marR="3175" marT="3175" marB="0" anchor="ctr">
+                    <a:lnL w="12700" cap="flat" cmpd="sng" algn="ctr">
+                      <a:solidFill>
+                        <a:schemeClr val="tx1"/>
+                      </a:solidFill>
+                      <a:prstDash val="solid"/>
+                      <a:round/>
+                      <a:headEnd type="none" w="med" len="med"/>
+                      <a:tailEnd type="none" w="med" len="med"/>
+                    </a:lnL>
+                    <a:lnR w="12700" cap="flat" cmpd="sng" algn="ctr">
+                      <a:solidFill>
+                        <a:schemeClr val="tx1"/>
+                      </a:solidFill>
+                      <a:prstDash val="solid"/>
+                      <a:round/>
+                      <a:headEnd type="none" w="med" len="med"/>
+                      <a:tailEnd type="none" w="med" len="med"/>
+                    </a:lnR>
+                    <a:lnT w="12700" cap="flat" cmpd="sng" algn="ctr">
+                      <a:solidFill>
+                        <a:schemeClr val="tx1"/>
+                      </a:solidFill>
+                      <a:prstDash val="solid"/>
+                      <a:round/>
+                      <a:headEnd type="none" w="med" len="med"/>
+                      <a:tailEnd type="none" w="med" len="med"/>
+                    </a:lnT>
+                    <a:lnB w="12700" cap="flat" cmpd="sng" algn="ctr">
+                      <a:solidFill>
+                        <a:schemeClr val="tx1"/>
+                      </a:solidFill>
+                      <a:prstDash val="solid"/>
+                      <a:round/>
+                      <a:headEnd type="none" w="med" len="med"/>
+                      <a:tailEnd type="none" w="med" len="med"/>
+                    </a:lnB>
+                    <a:solidFill>
+                      <a:schemeClr val="accent2"/>
+                    </a:solidFill>
+                  </a:tcPr>
+                </a:tc>
+                <a:tc>
+                  <a:txBody>
+                    <a:bodyPr/>
+                    <a:lstStyle/>
+                    <a:p>
+                      <a:pPr algn="ctr" fontAlgn="ctr"/>
+                      <a:r>
+                        <a:rPr lang="es-ES" sz="1400" b="1" i="0" u="none" strike="noStrike" dirty="0">
+                          <a:solidFill>
+                            <a:srgbClr val="000000"/>
+                          </a:solidFill>
+                          <a:effectLst/>
+                          <a:latin typeface="Calibri" panose="020F0502020204030204" pitchFamily="34" charset="0"/>
+                        </a:rPr>
+                        <a:t>¿BESITO?</a:t>
+                      </a:r>
+                    </a:p>
+                  </a:txBody>
+                  <a:tcPr marL="3175" marR="3175" marT="3175" marB="0" anchor="ctr">
+                    <a:lnL w="12700" cap="flat" cmpd="sng" algn="ctr">
+                      <a:solidFill>
+                        <a:schemeClr val="tx1"/>
+                      </a:solidFill>
+                      <a:prstDash val="solid"/>
+                      <a:round/>
+                      <a:headEnd type="none" w="med" len="med"/>
+                      <a:tailEnd type="none" w="med" len="med"/>
+                    </a:lnL>
+                    <a:lnR w="12700" cap="flat" cmpd="sng" algn="ctr">
+                      <a:solidFill>
+                        <a:schemeClr val="tx1"/>
+                      </a:solidFill>
+                      <a:prstDash val="solid"/>
+                      <a:round/>
+                      <a:headEnd type="none" w="med" len="med"/>
+                      <a:tailEnd type="none" w="med" len="med"/>
+                    </a:lnR>
+                    <a:lnT w="12700" cap="flat" cmpd="sng" algn="ctr">
+                      <a:solidFill>
+                        <a:schemeClr val="tx1"/>
+                      </a:solidFill>
+                      <a:prstDash val="solid"/>
+                      <a:round/>
+                      <a:headEnd type="none" w="med" len="med"/>
+                      <a:tailEnd type="none" w="med" len="med"/>
+                    </a:lnT>
+                    <a:lnB w="12700" cap="flat" cmpd="sng" algn="ctr">
+                      <a:solidFill>
+                        <a:schemeClr val="tx1"/>
+                      </a:solidFill>
+                      <a:prstDash val="solid"/>
+                      <a:round/>
+                      <a:headEnd type="none" w="med" len="med"/>
+                      <a:tailEnd type="none" w="med" len="med"/>
+                    </a:lnB>
+                    <a:noFill/>
+                  </a:tcPr>
+                </a:tc>
+                <a:extLst>
+                  <a:ext uri="{0D108BD9-81ED-4DB2-BD59-A6C34878D82A}">
+                    <a16:rowId xmlns:a16="http://schemas.microsoft.com/office/drawing/2014/main" val="1933384961"/>
+                  </a:ext>
+                </a:extLst>
+              </a:tr>
+            </a:tbl>
+          </a:graphicData>
+        </a:graphic>
+      </p:graphicFrame>
+      <p:sp>
+        <p:nvSpPr>
+          <p:cNvPr id="4" name="CuadroTexto 3">
+            <a:extLst>
+              <a:ext uri="{FF2B5EF4-FFF2-40B4-BE49-F238E27FC236}">
+                <a16:creationId xmlns:a16="http://schemas.microsoft.com/office/drawing/2014/main" id="{52662987-E594-437F-8337-D1D7ED9B1AA9}"/>
+              </a:ext>
+            </a:extLst>
+          </p:cNvPr>
+          <p:cNvSpPr txBox="1"/>
+          <p:nvPr/>
+        </p:nvSpPr>
+        <p:spPr>
+          <a:xfrm>
+            <a:off x="845289" y="2849525"/>
+            <a:ext cx="7322454" cy="1477328"/>
+          </a:xfrm>
+          <a:prstGeom prst="rect">
+            <a:avLst/>
+          </a:prstGeom>
+          <a:noFill/>
+        </p:spPr>
+        <p:txBody>
+          <a:bodyPr wrap="none" rtlCol="0">
+            <a:spAutoFit/>
+          </a:bodyPr>
+          <a:lstStyle/>
+          <a:p>
+            <a:r>
+              <a:rPr lang="es-ES" b="1" dirty="0"/>
+              <a:t>¿Cambiamos fragilidad por daño, u añadimos una nueva variable al índice?</a:t>
+            </a:r>
+          </a:p>
+          <a:p>
+            <a:endParaRPr lang="es-ES" b="1" dirty="0"/>
+          </a:p>
+          <a:p>
+            <a:r>
+              <a:rPr lang="es-ES" b="1" dirty="0"/>
+              <a:t>No se puede llamar BESITO</a:t>
+            </a:r>
+          </a:p>
+          <a:p>
+            <a:endParaRPr lang="es-ES" b="1" dirty="0"/>
+          </a:p>
+          <a:p>
+            <a:endParaRPr lang="es-ES" b="1" dirty="0"/>
+          </a:p>
+        </p:txBody>
+      </p:sp>
+      <p:sp>
+        <p:nvSpPr>
+          <p:cNvPr id="5" name="TextBox 1">
+            <a:extLst>
+              <a:ext uri="{FF2B5EF4-FFF2-40B4-BE49-F238E27FC236}">
+                <a16:creationId xmlns:a16="http://schemas.microsoft.com/office/drawing/2014/main" id="{8E39A412-1AE9-4340-A989-2CFD97F8B5C9}"/>
+              </a:ext>
+            </a:extLst>
+          </p:cNvPr>
+          <p:cNvSpPr txBox="1"/>
+          <p:nvPr/>
+        </p:nvSpPr>
+        <p:spPr>
+          <a:xfrm>
+            <a:off x="845289" y="4142187"/>
+            <a:ext cx="1353640" cy="1477328"/>
+          </a:xfrm>
+          <a:prstGeom prst="rect">
+            <a:avLst/>
+          </a:prstGeom>
+          <a:noFill/>
+        </p:spPr>
+        <p:txBody>
+          <a:bodyPr wrap="none" rtlCol="0">
+            <a:spAutoFit/>
+          </a:bodyPr>
+          <a:lstStyle/>
+          <a:p>
+            <a:r>
+              <a:rPr lang="en-US" b="1" dirty="0">
+                <a:latin typeface="Calibri" panose="020F0502020204030204" pitchFamily="34" charset="0"/>
+                <a:cs typeface="Calibri" panose="020F0502020204030204" pitchFamily="34" charset="0"/>
+              </a:rPr>
+              <a:t>O</a:t>
+            </a:r>
+            <a:r>
+              <a:rPr lang="en-CL" b="1" dirty="0">
+                <a:latin typeface="Calibri" panose="020F0502020204030204" pitchFamily="34" charset="0"/>
+                <a:cs typeface="Calibri" panose="020F0502020204030204" pitchFamily="34" charset="0"/>
+              </a:rPr>
+              <a:t>tro indice?</a:t>
+            </a:r>
+            <a:endParaRPr lang="es-ES" b="1" dirty="0">
+              <a:latin typeface="Calibri" panose="020F0502020204030204" pitchFamily="34" charset="0"/>
+              <a:cs typeface="Calibri" panose="020F0502020204030204" pitchFamily="34" charset="0"/>
+            </a:endParaRPr>
+          </a:p>
+          <a:p>
+            <a:endParaRPr lang="es-ES" b="1" dirty="0">
+              <a:latin typeface="Calibri" panose="020F0502020204030204" pitchFamily="34" charset="0"/>
+              <a:cs typeface="Calibri" panose="020F0502020204030204" pitchFamily="34" charset="0"/>
+            </a:endParaRPr>
+          </a:p>
+          <a:p>
+            <a:r>
+              <a:rPr lang="es-ES" b="1" dirty="0">
+                <a:latin typeface="Calibri" panose="020F0502020204030204" pitchFamily="34" charset="0"/>
+                <a:cs typeface="Calibri" panose="020F0502020204030204" pitchFamily="34" charset="0"/>
+              </a:rPr>
+              <a:t>N-90</a:t>
+            </a:r>
+          </a:p>
+          <a:p>
+            <a:endParaRPr lang="es-ES" b="1" dirty="0">
+              <a:latin typeface="Calibri" panose="020F0502020204030204" pitchFamily="34" charset="0"/>
+              <a:cs typeface="Calibri" panose="020F0502020204030204" pitchFamily="34" charset="0"/>
+            </a:endParaRPr>
+          </a:p>
+          <a:p>
+            <a:r>
+              <a:rPr lang="es-ES" b="1" dirty="0">
+                <a:latin typeface="Calibri" panose="020F0502020204030204" pitchFamily="34" charset="0"/>
+                <a:cs typeface="Calibri" panose="020F0502020204030204" pitchFamily="34" charset="0"/>
+              </a:rPr>
+              <a:t>AMBI</a:t>
+            </a:r>
+            <a:endParaRPr lang="en-CL" b="1" dirty="0">
+              <a:latin typeface="Calibri" panose="020F0502020204030204" pitchFamily="34" charset="0"/>
+              <a:cs typeface="Calibri" panose="020F0502020204030204" pitchFamily="34" charset="0"/>
+            </a:endParaRPr>
+          </a:p>
+        </p:txBody>
+      </p:sp>
+    </p:spTree>
+    <p:extLst>
+      <p:ext uri="{BB962C8B-B14F-4D97-AF65-F5344CB8AC3E}">
+        <p14:creationId xmlns:p14="http://schemas.microsoft.com/office/powerpoint/2010/main" val="1710823156"/>
       </p:ext>
     </p:extLst>
   </p:cSld>
@@ -5466,4 +8203,299 @@
     </a:ext>
   </a:extLst>
 </a:theme>
+</file>
+
+<file path=ppt/theme/theme2.xml><?xml version="1.0" encoding="utf-8"?>
+<a:theme xmlns:a="http://schemas.openxmlformats.org/drawingml/2006/main" name="Tema de Office">
+  <a:themeElements>
+    <a:clrScheme name="Office">
+      <a:dk1>
+        <a:sysClr val="windowText" lastClr="000000"/>
+      </a:dk1>
+      <a:lt1>
+        <a:sysClr val="window" lastClr="FFFFFF"/>
+      </a:lt1>
+      <a:dk2>
+        <a:srgbClr val="44546A"/>
+      </a:dk2>
+      <a:lt2>
+        <a:srgbClr val="E7E6E6"/>
+      </a:lt2>
+      <a:accent1>
+        <a:srgbClr val="4472C4"/>
+      </a:accent1>
+      <a:accent2>
+        <a:srgbClr val="ED7D31"/>
+      </a:accent2>
+      <a:accent3>
+        <a:srgbClr val="A5A5A5"/>
+      </a:accent3>
+      <a:accent4>
+        <a:srgbClr val="FFC000"/>
+      </a:accent4>
+      <a:accent5>
+        <a:srgbClr val="5B9BD5"/>
+      </a:accent5>
+      <a:accent6>
+        <a:srgbClr val="70AD47"/>
+      </a:accent6>
+      <a:hlink>
+        <a:srgbClr val="0563C1"/>
+      </a:hlink>
+      <a:folHlink>
+        <a:srgbClr val="954F72"/>
+      </a:folHlink>
+    </a:clrScheme>
+    <a:fontScheme name="Office">
+      <a:majorFont>
+        <a:latin typeface="Calibri Light" panose="020F0302020204030204"/>
+        <a:ea typeface=""/>
+        <a:cs typeface=""/>
+        <a:font script="Jpan" typeface="游ゴシック Light"/>
+        <a:font script="Hang" typeface="맑은 고딕"/>
+        <a:font script="Hans" typeface="等线 Light"/>
+        <a:font script="Hant" typeface="新細明體"/>
+        <a:font script="Arab" typeface="Times New Roman"/>
+        <a:font script="Hebr" typeface="Times New Roman"/>
+        <a:font script="Thai" typeface="Angsana New"/>
+        <a:font script="Ethi" typeface="Nyala"/>
+        <a:font script="Beng" typeface="Vrinda"/>
+        <a:font script="Gujr" typeface="Shruti"/>
+        <a:font script="Khmr" typeface="MoolBoran"/>
+        <a:font script="Knda" typeface="Tunga"/>
+        <a:font script="Guru" typeface="Raavi"/>
+        <a:font script="Cans" typeface="Euphemia"/>
+        <a:font script="Cher" typeface="Plantagenet Cherokee"/>
+        <a:font script="Yiii" typeface="Microsoft Yi Baiti"/>
+        <a:font script="Tibt" typeface="Microsoft Himalaya"/>
+        <a:font script="Thaa" typeface="MV Boli"/>
+        <a:font script="Deva" typeface="Mangal"/>
+        <a:font script="Telu" typeface="Gautami"/>
+        <a:font script="Taml" typeface="Latha"/>
+        <a:font script="Syrc" typeface="Estrangelo Edessa"/>
+        <a:font script="Orya" typeface="Kalinga"/>
+        <a:font script="Mlym" typeface="Kartika"/>
+        <a:font script="Laoo" typeface="DokChampa"/>
+        <a:font script="Sinh" typeface="Iskoola Pota"/>
+        <a:font script="Mong" typeface="Mongolian Baiti"/>
+        <a:font script="Viet" typeface="Times New Roman"/>
+        <a:font script="Uigh" typeface="Microsoft Uighur"/>
+        <a:font script="Geor" typeface="Sylfaen"/>
+        <a:font script="Armn" typeface="Arial"/>
+        <a:font script="Bugi" typeface="Leelawadee UI"/>
+        <a:font script="Bopo" typeface="Microsoft JhengHei"/>
+        <a:font script="Java" typeface="Javanese Text"/>
+        <a:font script="Lisu" typeface="Segoe UI"/>
+        <a:font script="Mymr" typeface="Myanmar Text"/>
+        <a:font script="Nkoo" typeface="Ebrima"/>
+        <a:font script="Olck" typeface="Nirmala UI"/>
+        <a:font script="Osma" typeface="Ebrima"/>
+        <a:font script="Phag" typeface="Phagspa"/>
+        <a:font script="Syrn" typeface="Estrangelo Edessa"/>
+        <a:font script="Syrj" typeface="Estrangelo Edessa"/>
+        <a:font script="Syre" typeface="Estrangelo Edessa"/>
+        <a:font script="Sora" typeface="Nirmala UI"/>
+        <a:font script="Tale" typeface="Microsoft Tai Le"/>
+        <a:font script="Talu" typeface="Microsoft New Tai Lue"/>
+        <a:font script="Tfng" typeface="Ebrima"/>
+      </a:majorFont>
+      <a:minorFont>
+        <a:latin typeface="Calibri" panose="020F0502020204030204"/>
+        <a:ea typeface=""/>
+        <a:cs typeface=""/>
+        <a:font script="Jpan" typeface="游ゴシック"/>
+        <a:font script="Hang" typeface="맑은 고딕"/>
+        <a:font script="Hans" typeface="等线"/>
+        <a:font script="Hant" typeface="新細明體"/>
+        <a:font script="Arab" typeface="Arial"/>
+        <a:font script="Hebr" typeface="Arial"/>
+        <a:font script="Thai" typeface="Cordia New"/>
+        <a:font script="Ethi" typeface="Nyala"/>
+        <a:font script="Beng" typeface="Vrinda"/>
+        <a:font script="Gujr" typeface="Shruti"/>
+        <a:font script="Khmr" typeface="DaunPenh"/>
+        <a:font script="Knda" typeface="Tunga"/>
+        <a:font script="Guru" typeface="Raavi"/>
+        <a:font script="Cans" typeface="Euphemia"/>
+        <a:font script="Cher" typeface="Plantagenet Cherokee"/>
+        <a:font script="Yiii" typeface="Microsoft Yi Baiti"/>
+        <a:font script="Tibt" typeface="Microsoft Himalaya"/>
+        <a:font script="Thaa" typeface="MV Boli"/>
+        <a:font script="Deva" typeface="Mangal"/>
+        <a:font script="Telu" typeface="Gautami"/>
+        <a:font script="Taml" typeface="Latha"/>
+        <a:font script="Syrc" typeface="Estrangelo Edessa"/>
+        <a:font script="Orya" typeface="Kalinga"/>
+        <a:font script="Mlym" typeface="Kartika"/>
+        <a:font script="Laoo" typeface="DokChampa"/>
+        <a:font script="Sinh" typeface="Iskoola Pota"/>
+        <a:font script="Mong" typeface="Mongolian Baiti"/>
+        <a:font script="Viet" typeface="Arial"/>
+        <a:font script="Uigh" typeface="Microsoft Uighur"/>
+        <a:font script="Geor" typeface="Sylfaen"/>
+        <a:font script="Armn" typeface="Arial"/>
+        <a:font script="Bugi" typeface="Leelawadee UI"/>
+        <a:font script="Bopo" typeface="Microsoft JhengHei"/>
+        <a:font script="Java" typeface="Javanese Text"/>
+        <a:font script="Lisu" typeface="Segoe UI"/>
+        <a:font script="Mymr" typeface="Myanmar Text"/>
+        <a:font script="Nkoo" typeface="Ebrima"/>
+        <a:font script="Olck" typeface="Nirmala UI"/>
+        <a:font script="Osma" typeface="Ebrima"/>
+        <a:font script="Phag" typeface="Phagspa"/>
+        <a:font script="Syrn" typeface="Estrangelo Edessa"/>
+        <a:font script="Syrj" typeface="Estrangelo Edessa"/>
+        <a:font script="Syre" typeface="Estrangelo Edessa"/>
+        <a:font script="Sora" typeface="Nirmala UI"/>
+        <a:font script="Tale" typeface="Microsoft Tai Le"/>
+        <a:font script="Talu" typeface="Microsoft New Tai Lue"/>
+        <a:font script="Tfng" typeface="Ebrima"/>
+      </a:minorFont>
+    </a:fontScheme>
+    <a:fmtScheme name="Office">
+      <a:fillStyleLst>
+        <a:solidFill>
+          <a:schemeClr val="phClr"/>
+        </a:solidFill>
+        <a:gradFill rotWithShape="1">
+          <a:gsLst>
+            <a:gs pos="0">
+              <a:schemeClr val="phClr">
+                <a:lumMod val="110000"/>
+                <a:satMod val="105000"/>
+                <a:tint val="67000"/>
+              </a:schemeClr>
+            </a:gs>
+            <a:gs pos="50000">
+              <a:schemeClr val="phClr">
+                <a:lumMod val="105000"/>
+                <a:satMod val="103000"/>
+                <a:tint val="73000"/>
+              </a:schemeClr>
+            </a:gs>
+            <a:gs pos="100000">
+              <a:schemeClr val="phClr">
+                <a:lumMod val="105000"/>
+                <a:satMod val="109000"/>
+                <a:tint val="81000"/>
+              </a:schemeClr>
+            </a:gs>
+          </a:gsLst>
+          <a:lin ang="5400000" scaled="0"/>
+        </a:gradFill>
+        <a:gradFill rotWithShape="1">
+          <a:gsLst>
+            <a:gs pos="0">
+              <a:schemeClr val="phClr">
+                <a:satMod val="103000"/>
+                <a:lumMod val="102000"/>
+                <a:tint val="94000"/>
+              </a:schemeClr>
+            </a:gs>
+            <a:gs pos="50000">
+              <a:schemeClr val="phClr">
+                <a:satMod val="110000"/>
+                <a:lumMod val="100000"/>
+                <a:shade val="100000"/>
+              </a:schemeClr>
+            </a:gs>
+            <a:gs pos="100000">
+              <a:schemeClr val="phClr">
+                <a:lumMod val="99000"/>
+                <a:satMod val="120000"/>
+                <a:shade val="78000"/>
+              </a:schemeClr>
+            </a:gs>
+          </a:gsLst>
+          <a:lin ang="5400000" scaled="0"/>
+        </a:gradFill>
+      </a:fillStyleLst>
+      <a:lnStyleLst>
+        <a:ln w="6350" cap="flat" cmpd="sng" algn="ctr">
+          <a:solidFill>
+            <a:schemeClr val="phClr"/>
+          </a:solidFill>
+          <a:prstDash val="solid"/>
+          <a:miter lim="800000"/>
+        </a:ln>
+        <a:ln w="12700" cap="flat" cmpd="sng" algn="ctr">
+          <a:solidFill>
+            <a:schemeClr val="phClr"/>
+          </a:solidFill>
+          <a:prstDash val="solid"/>
+          <a:miter lim="800000"/>
+        </a:ln>
+        <a:ln w="19050" cap="flat" cmpd="sng" algn="ctr">
+          <a:solidFill>
+            <a:schemeClr val="phClr"/>
+          </a:solidFill>
+          <a:prstDash val="solid"/>
+          <a:miter lim="800000"/>
+        </a:ln>
+      </a:lnStyleLst>
+      <a:effectStyleLst>
+        <a:effectStyle>
+          <a:effectLst/>
+        </a:effectStyle>
+        <a:effectStyle>
+          <a:effectLst/>
+        </a:effectStyle>
+        <a:effectStyle>
+          <a:effectLst>
+            <a:outerShdw blurRad="57150" dist="19050" dir="5400000" algn="ctr" rotWithShape="0">
+              <a:srgbClr val="000000">
+                <a:alpha val="63000"/>
+              </a:srgbClr>
+            </a:outerShdw>
+          </a:effectLst>
+        </a:effectStyle>
+      </a:effectStyleLst>
+      <a:bgFillStyleLst>
+        <a:solidFill>
+          <a:schemeClr val="phClr"/>
+        </a:solidFill>
+        <a:solidFill>
+          <a:schemeClr val="phClr">
+            <a:tint val="95000"/>
+            <a:satMod val="170000"/>
+          </a:schemeClr>
+        </a:solidFill>
+        <a:gradFill rotWithShape="1">
+          <a:gsLst>
+            <a:gs pos="0">
+              <a:schemeClr val="phClr">
+                <a:tint val="93000"/>
+                <a:satMod val="150000"/>
+                <a:shade val="98000"/>
+                <a:lumMod val="102000"/>
+              </a:schemeClr>
+            </a:gs>
+            <a:gs pos="50000">
+              <a:schemeClr val="phClr">
+                <a:tint val="98000"/>
+                <a:satMod val="130000"/>
+                <a:shade val="90000"/>
+                <a:lumMod val="103000"/>
+              </a:schemeClr>
+            </a:gs>
+            <a:gs pos="100000">
+              <a:schemeClr val="phClr">
+                <a:shade val="63000"/>
+                <a:satMod val="120000"/>
+              </a:schemeClr>
+            </a:gs>
+          </a:gsLst>
+          <a:lin ang="5400000" scaled="0"/>
+        </a:gradFill>
+      </a:bgFillStyleLst>
+    </a:fmtScheme>
+  </a:themeElements>
+  <a:objectDefaults/>
+  <a:extraClrSchemeLst/>
+  <a:extLst>
+    <a:ext uri="{05A4C25C-085E-4340-85A3-A5531E510DB2}">
+      <thm15:themeFamily xmlns:thm15="http://schemas.microsoft.com/office/thememl/2012/main" name="Office Theme" id="{62F939B6-93AF-4DB8-9C6B-D6C7DFDC589F}" vid="{4A3C46E8-61CC-4603-A589-7422A47A8E4A}"/>
+    </a:ext>
+  </a:extLst>
+</a:theme>
 </file>
--- a/PPT/DudasBESITOS_1.pptx
+++ b/PPT/DudasBESITOS_1.pptx
@@ -5377,35 +5377,6 @@
           <a:chExt cx="0" cy="0"/>
         </a:xfrm>
       </p:grpSpPr>
-      <p:pic>
-        <p:nvPicPr>
-          <p:cNvPr id="7" name="Imagen 6">
-            <a:extLst>
-              <a:ext uri="{FF2B5EF4-FFF2-40B4-BE49-F238E27FC236}">
-                <a16:creationId xmlns:a16="http://schemas.microsoft.com/office/drawing/2014/main" id="{3556CDDD-AF37-4B24-8414-DEDBDF99D57D}"/>
-              </a:ext>
-            </a:extLst>
-          </p:cNvPr>
-          <p:cNvPicPr>
-            <a:picLocks noChangeAspect="1"/>
-          </p:cNvPicPr>
-          <p:nvPr/>
-        </p:nvPicPr>
-        <p:blipFill rotWithShape="1">
-          <a:blip r:embed="rId3"/>
-          <a:srcRect r="11983"/>
-          <a:stretch/>
-        </p:blipFill>
-        <p:spPr>
-          <a:xfrm>
-            <a:off x="1814028" y="828106"/>
-            <a:ext cx="8811152" cy="5753447"/>
-          </a:xfrm>
-          <a:prstGeom prst="rect">
-            <a:avLst/>
-          </a:prstGeom>
-        </p:spPr>
-      </p:pic>
       <p:sp>
         <p:nvSpPr>
           <p:cNvPr id="9" name="CuadroTexto 8">
@@ -5456,12 +5427,12 @@
           <p:nvPr/>
         </p:nvPicPr>
         <p:blipFill rotWithShape="1">
-          <a:blip r:embed="rId4">
+          <a:blip r:embed="rId3">
             <a:lum bright="70000" contrast="-70000"/>
             <a:extLst>
               <a:ext uri="{BEBA8EAE-BF5A-486C-A8C5-ECC9F3942E4B}">
                 <a14:imgProps xmlns:a14="http://schemas.microsoft.com/office/drawing/2010/main">
-                  <a14:imgLayer r:embed="rId5">
+                  <a14:imgLayer r:embed="rId4">
                     <a14:imgEffect>
                       <a14:saturation sat="33000"/>
                     </a14:imgEffect>
@@ -5477,6 +5448,36 @@
           <a:xfrm>
             <a:off x="9229381" y="314743"/>
             <a:ext cx="2601533" cy="931970"/>
+          </a:xfrm>
+          <a:prstGeom prst="rect">
+            <a:avLst/>
+          </a:prstGeom>
+        </p:spPr>
+      </p:pic>
+      <p:pic>
+        <p:nvPicPr>
+          <p:cNvPr id="3" name="Picture 2">
+            <a:extLst>
+              <a:ext uri="{FF2B5EF4-FFF2-40B4-BE49-F238E27FC236}">
+                <a16:creationId xmlns:a16="http://schemas.microsoft.com/office/drawing/2014/main" id="{A6DB5A73-9AA8-CBEA-978F-00C3E81BB979}"/>
+              </a:ext>
+            </a:extLst>
+          </p:cNvPr>
+          <p:cNvPicPr>
+            <a:picLocks noChangeAspect="1"/>
+          </p:cNvPicPr>
+          <p:nvPr/>
+        </p:nvPicPr>
+        <p:blipFill>
+          <a:blip r:embed="rId5"/>
+          <a:stretch>
+            <a:fillRect/>
+          </a:stretch>
+        </p:blipFill>
+        <p:spPr>
+          <a:xfrm>
+            <a:off x="1393721" y="1113370"/>
+            <a:ext cx="8895577" cy="4631259"/>
           </a:xfrm>
           <a:prstGeom prst="rect">
             <a:avLst/>
